--- a/CS 3700 PP.pptx
+++ b/CS 3700 PP.pptx
@@ -8,13 +8,15 @@
     <p:sldId id="256" r:id="rId2"/>
     <p:sldId id="257" r:id="rId3"/>
     <p:sldId id="258" r:id="rId4"/>
-    <p:sldId id="259" r:id="rId5"/>
-    <p:sldId id="260" r:id="rId6"/>
-    <p:sldId id="261" r:id="rId7"/>
-    <p:sldId id="262" r:id="rId8"/>
-    <p:sldId id="263" r:id="rId9"/>
-    <p:sldId id="264" r:id="rId10"/>
-    <p:sldId id="265" r:id="rId11"/>
+    <p:sldId id="267" r:id="rId5"/>
+    <p:sldId id="259" r:id="rId6"/>
+    <p:sldId id="260" r:id="rId7"/>
+    <p:sldId id="261" r:id="rId8"/>
+    <p:sldId id="262" r:id="rId9"/>
+    <p:sldId id="263" r:id="rId10"/>
+    <p:sldId id="264" r:id="rId11"/>
+    <p:sldId id="265" r:id="rId12"/>
+    <p:sldId id="266" r:id="rId13"/>
   </p:sldIdLst>
   <p:sldSz cx="12192000" cy="6858000"/>
   <p:notesSz cx="6858000" cy="9144000"/>
@@ -113,6 +115,11 @@
       </a:defRPr>
     </a:lvl9pPr>
   </p:defaultTextStyle>
+  <p:extLst>
+    <p:ext uri="{EFAFB233-063F-42B5-8137-9DF3F51BA10A}">
+      <p15:sldGuideLst xmlns:p15="http://schemas.microsoft.com/office/powerpoint/2012/main"/>
+    </p:ext>
+  </p:extLst>
 </p:presentation>
 </file>
 
@@ -265,7 +272,7 @@
           <a:p>
             <a:fld id="{FD2766A6-3C10-4AB8-86A1-BB1F0CDA7EFE}" type="datetimeFigureOut">
               <a:rPr lang="en-US" smtClean="0"/>
-              <a:t>11/18/2021</a:t>
+              <a:t>11/26/2021</a:t>
             </a:fld>
             <a:endParaRPr lang="en-US"/>
           </a:p>
@@ -463,7 +470,7 @@
           <a:p>
             <a:fld id="{FD2766A6-3C10-4AB8-86A1-BB1F0CDA7EFE}" type="datetimeFigureOut">
               <a:rPr lang="en-US" smtClean="0"/>
-              <a:t>11/18/2021</a:t>
+              <a:t>11/26/2021</a:t>
             </a:fld>
             <a:endParaRPr lang="en-US"/>
           </a:p>
@@ -671,7 +678,7 @@
           <a:p>
             <a:fld id="{FD2766A6-3C10-4AB8-86A1-BB1F0CDA7EFE}" type="datetimeFigureOut">
               <a:rPr lang="en-US" smtClean="0"/>
-              <a:t>11/18/2021</a:t>
+              <a:t>11/26/2021</a:t>
             </a:fld>
             <a:endParaRPr lang="en-US"/>
           </a:p>
@@ -869,7 +876,7 @@
           <a:p>
             <a:fld id="{FD2766A6-3C10-4AB8-86A1-BB1F0CDA7EFE}" type="datetimeFigureOut">
               <a:rPr lang="en-US" smtClean="0"/>
-              <a:t>11/18/2021</a:t>
+              <a:t>11/26/2021</a:t>
             </a:fld>
             <a:endParaRPr lang="en-US"/>
           </a:p>
@@ -1142,7 +1149,7 @@
           <a:p>
             <a:fld id="{FD2766A6-3C10-4AB8-86A1-BB1F0CDA7EFE}" type="datetimeFigureOut">
               <a:rPr lang="en-US" smtClean="0"/>
-              <a:t>11/18/2021</a:t>
+              <a:t>11/26/2021</a:t>
             </a:fld>
             <a:endParaRPr lang="en-US"/>
           </a:p>
@@ -1407,7 +1414,7 @@
           <a:p>
             <a:fld id="{FD2766A6-3C10-4AB8-86A1-BB1F0CDA7EFE}" type="datetimeFigureOut">
               <a:rPr lang="en-US" smtClean="0"/>
-              <a:t>11/18/2021</a:t>
+              <a:t>11/26/2021</a:t>
             </a:fld>
             <a:endParaRPr lang="en-US"/>
           </a:p>
@@ -1833,7 +1840,7 @@
           <a:p>
             <a:fld id="{FD2766A6-3C10-4AB8-86A1-BB1F0CDA7EFE}" type="datetimeFigureOut">
               <a:rPr lang="en-US" smtClean="0"/>
-              <a:t>11/18/2021</a:t>
+              <a:t>11/26/2021</a:t>
             </a:fld>
             <a:endParaRPr lang="en-US"/>
           </a:p>
@@ -1974,7 +1981,7 @@
           <a:p>
             <a:fld id="{FD2766A6-3C10-4AB8-86A1-BB1F0CDA7EFE}" type="datetimeFigureOut">
               <a:rPr lang="en-US" smtClean="0"/>
-              <a:t>11/18/2021</a:t>
+              <a:t>11/26/2021</a:t>
             </a:fld>
             <a:endParaRPr lang="en-US"/>
           </a:p>
@@ -2087,7 +2094,7 @@
           <a:p>
             <a:fld id="{FD2766A6-3C10-4AB8-86A1-BB1F0CDA7EFE}" type="datetimeFigureOut">
               <a:rPr lang="en-US" smtClean="0"/>
-              <a:t>11/18/2021</a:t>
+              <a:t>11/26/2021</a:t>
             </a:fld>
             <a:endParaRPr lang="en-US"/>
           </a:p>
@@ -2442,7 +2449,7 @@
           <a:p>
             <a:fld id="{FD2766A6-3C10-4AB8-86A1-BB1F0CDA7EFE}" type="datetimeFigureOut">
               <a:rPr lang="en-US" smtClean="0"/>
-              <a:t>11/18/2021</a:t>
+              <a:t>11/26/2021</a:t>
             </a:fld>
             <a:endParaRPr lang="en-US"/>
           </a:p>
@@ -2772,7 +2779,7 @@
           <a:p>
             <a:fld id="{FD2766A6-3C10-4AB8-86A1-BB1F0CDA7EFE}" type="datetimeFigureOut">
               <a:rPr lang="en-US" smtClean="0"/>
-              <a:t>11/18/2021</a:t>
+              <a:t>11/26/2021</a:t>
             </a:fld>
             <a:endParaRPr lang="en-US"/>
           </a:p>
@@ -3014,7 +3021,7 @@
             <a:fld id="{FD2766A6-3C10-4AB8-86A1-BB1F0CDA7EFE}" type="datetimeFigureOut">
               <a:rPr lang="en-US" smtClean="0"/>
               <a:pPr/>
-              <a:t>11/18/2021</a:t>
+              <a:t>11/26/2021</a:t>
             </a:fld>
             <a:endParaRPr lang="en-US" dirty="0"/>
           </a:p>
@@ -3646,13 +3653,13 @@
   <p:clrMapOvr>
     <a:masterClrMapping/>
   </p:clrMapOvr>
-  <mc:AlternateContent xmlns:mc="http://schemas.openxmlformats.org/markup-compatibility/2006">
-    <mc:Choice xmlns:p15="http://schemas.microsoft.com/office/powerpoint/2012/main" Requires="p15">
+  <mc:AlternateContent xmlns:mc="http://schemas.openxmlformats.org/markup-compatibility/2006" xmlns:p15="http://schemas.microsoft.com/office/powerpoint/2012/main">
+    <mc:Choice Requires="p15">
       <p:transition xmlns:p14="http://schemas.microsoft.com/office/powerpoint/2010/main" spd="slow" p14:dur="2000">
         <p15:prstTrans prst="drape"/>
       </p:transition>
     </mc:Choice>
-    <mc:Fallback>
+    <mc:Fallback xmlns="">
       <p:transition spd="slow">
         <p:fade/>
       </p:transition>
@@ -3683,6 +3690,104 @@
           <p:cNvPr id="2" name="Title 1">
             <a:extLst>
               <a:ext uri="{FF2B5EF4-FFF2-40B4-BE49-F238E27FC236}">
+                <a16:creationId xmlns:a16="http://schemas.microsoft.com/office/drawing/2014/main" id="{73CF80E1-ADF5-45F3-886C-E961B7102BB6}"/>
+              </a:ext>
+            </a:extLst>
+          </p:cNvPr>
+          <p:cNvSpPr>
+            <a:spLocks noGrp="1"/>
+          </p:cNvSpPr>
+          <p:nvPr>
+            <p:ph type="title"/>
+          </p:nvPr>
+        </p:nvSpPr>
+        <p:spPr/>
+        <p:txBody>
+          <a:bodyPr/>
+          <a:lstStyle/>
+          <a:p>
+            <a:r>
+              <a:rPr lang="en-US" dirty="0"/>
+              <a:t>Lesson learned</a:t>
+            </a:r>
+          </a:p>
+        </p:txBody>
+      </p:sp>
+      <p:sp>
+        <p:nvSpPr>
+          <p:cNvPr id="3" name="Content Placeholder 2">
+            <a:extLst>
+              <a:ext uri="{FF2B5EF4-FFF2-40B4-BE49-F238E27FC236}">
+                <a16:creationId xmlns:a16="http://schemas.microsoft.com/office/drawing/2014/main" id="{B7D772FA-34A3-473F-87CF-BBE0D1494540}"/>
+              </a:ext>
+            </a:extLst>
+          </p:cNvPr>
+          <p:cNvSpPr>
+            <a:spLocks noGrp="1"/>
+          </p:cNvSpPr>
+          <p:nvPr>
+            <p:ph idx="1"/>
+          </p:nvPr>
+        </p:nvSpPr>
+        <p:spPr/>
+        <p:txBody>
+          <a:bodyPr/>
+          <a:lstStyle/>
+          <a:p>
+            <a:r>
+              <a:rPr lang="en-US" dirty="0"/>
+              <a:t>Always have back up plan</a:t>
+            </a:r>
+          </a:p>
+        </p:txBody>
+      </p:sp>
+    </p:spTree>
+    <p:extLst>
+      <p:ext uri="{BB962C8B-B14F-4D97-AF65-F5344CB8AC3E}">
+        <p14:creationId xmlns:p14="http://schemas.microsoft.com/office/powerpoint/2010/main" val="1199966487"/>
+      </p:ext>
+    </p:extLst>
+  </p:cSld>
+  <p:clrMapOvr>
+    <a:masterClrMapping/>
+  </p:clrMapOvr>
+  <mc:AlternateContent xmlns:mc="http://schemas.openxmlformats.org/markup-compatibility/2006">
+    <mc:Choice xmlns:p14="http://schemas.microsoft.com/office/powerpoint/2010/main" Requires="p14">
+      <p:transition spd="slow" p14:dur="1250">
+        <p14:switch dir="r"/>
+      </p:transition>
+    </mc:Choice>
+    <mc:Fallback>
+      <p:transition spd="slow">
+        <p:fade/>
+      </p:transition>
+    </mc:Fallback>
+  </mc:AlternateContent>
+</p:sld>
+</file>
+
+<file path=ppt/slides/slide11.xml><?xml version="1.0" encoding="utf-8"?>
+<p:sld xmlns:a="http://schemas.openxmlformats.org/drawingml/2006/main" xmlns:r="http://schemas.openxmlformats.org/officeDocument/2006/relationships" xmlns:p="http://schemas.openxmlformats.org/presentationml/2006/main">
+  <p:cSld>
+    <p:spTree>
+      <p:nvGrpSpPr>
+        <p:cNvPr id="1" name=""/>
+        <p:cNvGrpSpPr/>
+        <p:nvPr/>
+      </p:nvGrpSpPr>
+      <p:grpSpPr>
+        <a:xfrm>
+          <a:off x="0" y="0"/>
+          <a:ext cx="0" cy="0"/>
+          <a:chOff x="0" y="0"/>
+          <a:chExt cx="0" cy="0"/>
+        </a:xfrm>
+      </p:grpSpPr>
+      <p:sp>
+        <p:nvSpPr>
+          <p:cNvPr id="2" name="Title 1">
+            <a:extLst>
+              <a:ext uri="{FF2B5EF4-FFF2-40B4-BE49-F238E27FC236}">
                 <a16:creationId xmlns:a16="http://schemas.microsoft.com/office/drawing/2014/main" id="{D18836FD-6E96-4D89-A5A9-562553700AEE}"/>
               </a:ext>
             </a:extLst>
@@ -3727,7 +3832,10 @@
           <a:bodyPr/>
           <a:lstStyle/>
           <a:p>
-            <a:endParaRPr lang="en-US"/>
+            <a:r>
+              <a:rPr lang="en-US" dirty="0"/>
+              <a:t>True or False, A 3NF Schema can only have one Foreign key per a table.</a:t>
+            </a:r>
           </a:p>
         </p:txBody>
       </p:sp>
@@ -3741,6 +3849,107 @@
   <p:clrMapOvr>
     <a:masterClrMapping/>
   </p:clrMapOvr>
+  <mc:AlternateContent xmlns:mc="http://schemas.openxmlformats.org/markup-compatibility/2006" xmlns:p14="http://schemas.microsoft.com/office/powerpoint/2010/main">
+    <mc:Choice Requires="p14">
+      <p:transition spd="slow" p14:dur="1600">
+        <p14:gallery dir="l"/>
+      </p:transition>
+    </mc:Choice>
+    <mc:Fallback xmlns="">
+      <p:transition spd="slow">
+        <p:fade/>
+      </p:transition>
+    </mc:Fallback>
+  </mc:AlternateContent>
+</p:sld>
+</file>
+
+<file path=ppt/slides/slide12.xml><?xml version="1.0" encoding="utf-8"?>
+<p:sld xmlns:a="http://schemas.openxmlformats.org/drawingml/2006/main" xmlns:r="http://schemas.openxmlformats.org/officeDocument/2006/relationships" xmlns:p="http://schemas.openxmlformats.org/presentationml/2006/main">
+  <p:cSld>
+    <p:spTree>
+      <p:nvGrpSpPr>
+        <p:cNvPr id="1" name=""/>
+        <p:cNvGrpSpPr/>
+        <p:nvPr/>
+      </p:nvGrpSpPr>
+      <p:grpSpPr>
+        <a:xfrm>
+          <a:off x="0" y="0"/>
+          <a:ext cx="0" cy="0"/>
+          <a:chOff x="0" y="0"/>
+          <a:chExt cx="0" cy="0"/>
+        </a:xfrm>
+      </p:grpSpPr>
+      <p:sp>
+        <p:nvSpPr>
+          <p:cNvPr id="2" name="Title 1">
+            <a:extLst>
+              <a:ext uri="{FF2B5EF4-FFF2-40B4-BE49-F238E27FC236}">
+                <a16:creationId xmlns:a16="http://schemas.microsoft.com/office/drawing/2014/main" id="{F92AAC78-E9D2-4CDF-885E-F9EAC244571C}"/>
+              </a:ext>
+            </a:extLst>
+          </p:cNvPr>
+          <p:cNvSpPr>
+            <a:spLocks noGrp="1"/>
+          </p:cNvSpPr>
+          <p:nvPr>
+            <p:ph type="title"/>
+          </p:nvPr>
+        </p:nvSpPr>
+        <p:spPr/>
+        <p:txBody>
+          <a:bodyPr/>
+          <a:lstStyle/>
+          <a:p>
+            <a:r>
+              <a:rPr lang="en-US" dirty="0"/>
+              <a:t>Exam Question answer</a:t>
+            </a:r>
+          </a:p>
+        </p:txBody>
+      </p:sp>
+      <p:sp>
+        <p:nvSpPr>
+          <p:cNvPr id="3" name="Content Placeholder 2">
+            <a:extLst>
+              <a:ext uri="{FF2B5EF4-FFF2-40B4-BE49-F238E27FC236}">
+                <a16:creationId xmlns:a16="http://schemas.microsoft.com/office/drawing/2014/main" id="{794F8FF5-9BC7-4A36-811D-9B5A34477FFF}"/>
+              </a:ext>
+            </a:extLst>
+          </p:cNvPr>
+          <p:cNvSpPr>
+            <a:spLocks noGrp="1"/>
+          </p:cNvSpPr>
+          <p:nvPr>
+            <p:ph idx="1"/>
+          </p:nvPr>
+        </p:nvSpPr>
+        <p:spPr/>
+        <p:txBody>
+          <a:bodyPr/>
+          <a:lstStyle/>
+          <a:p>
+            <a:r>
+              <a:rPr lang="en-US" dirty="0"/>
+              <a:t>False, it can have as many as needed</a:t>
+            </a:r>
+          </a:p>
+        </p:txBody>
+      </p:sp>
+    </p:spTree>
+    <p:extLst>
+      <p:ext uri="{BB962C8B-B14F-4D97-AF65-F5344CB8AC3E}">
+        <p14:creationId xmlns:p14="http://schemas.microsoft.com/office/powerpoint/2010/main" val="3498636287"/>
+      </p:ext>
+    </p:extLst>
+  </p:cSld>
+  <p:clrMapOvr>
+    <a:masterClrMapping/>
+  </p:clrMapOvr>
+  <p:transition spd="slow">
+    <p:randomBar dir="vert"/>
+  </p:transition>
 </p:sld>
 </file>
 
@@ -3812,7 +4021,15 @@
           <a:p>
             <a:r>
               <a:rPr lang="en-US" dirty="0"/>
-              <a:t>For the final project, we will be cataloging artifacts from Miami Valley Veterans Museum. These items will each be given an individual id and given the following attributes, what kind of artifacts the item is such some from of clothing or a flag, the time-period the item comes from, item national origin, where it was, an approximation of cost, condition, size, date added to the museum and person who donated the item. The expected user, that being people working at the museum, is to be able to find the item, find the donor, find what era the item came from, what exactly is it, when it was added to the museum’s collection, approximant cost, country it was found in, its national origin, current condition, size of the item and sort by any of descriptors listed above. The system should be able to handle up to 500 different artifacts. In addition, there will be a very simple list the name of the donor, their address and both their phone number and email.</a:t>
+              <a:t>For the final project, we will be cataloging artifacts from Miami Valley Veterans Museum. These items will each be given an individual id and given the following attributes, what kind of artifacts the item is such some from of clothing or a flag, the time-period the item comes from, item national origin, where it was, an approximation of cost, condition, size, date added to the museum and person who donated the item. The expected user, that being people working at the museum, is to be able to find the item, find the donor, find what era the item came from, what exactly is it, when it was added to the museum’s collection, approximant cost, country it was found in, its national origin, current condition, size of the item and sort by any of descriptors listed above. The system should be able to handle up </a:t>
+            </a:r>
+            <a:r>
+              <a:rPr lang="en-US"/>
+              <a:t>to 2000 </a:t>
+            </a:r>
+            <a:r>
+              <a:rPr lang="en-US" dirty="0"/>
+              <a:t>different artifacts. In addition, there will be a very simple list the name of the donor, their address and both their phone number and email.</a:t>
             </a:r>
           </a:p>
         </p:txBody>
@@ -3827,13 +4044,13 @@
   <p:clrMapOvr>
     <a:masterClrMapping/>
   </p:clrMapOvr>
-  <mc:AlternateContent xmlns:mc="http://schemas.openxmlformats.org/markup-compatibility/2006">
-    <mc:Choice xmlns:p14="http://schemas.microsoft.com/office/powerpoint/2010/main" Requires="p14">
+  <mc:AlternateContent xmlns:mc="http://schemas.openxmlformats.org/markup-compatibility/2006" xmlns:p14="http://schemas.microsoft.com/office/powerpoint/2010/main">
+    <mc:Choice Requires="p14">
       <p:transition spd="slow" p14:dur="4400">
         <p14:honeycomb/>
       </p:transition>
     </mc:Choice>
-    <mc:Fallback>
+    <mc:Fallback xmlns="">
       <p:transition spd="slow">
         <p:fade/>
       </p:transition>
@@ -3926,13 +4143,13 @@
   <p:clrMapOvr>
     <a:masterClrMapping/>
   </p:clrMapOvr>
-  <mc:AlternateContent xmlns:mc="http://schemas.openxmlformats.org/markup-compatibility/2006">
-    <mc:Choice xmlns:p15="http://schemas.microsoft.com/office/powerpoint/2012/main" Requires="p15">
+  <mc:AlternateContent xmlns:mc="http://schemas.openxmlformats.org/markup-compatibility/2006" xmlns:p15="http://schemas.microsoft.com/office/powerpoint/2012/main">
+    <mc:Choice Requires="p15">
       <p:transition xmlns:p14="http://schemas.microsoft.com/office/powerpoint/2010/main" spd="slow" p14:dur="2000">
         <p15:prstTrans prst="crush"/>
       </p:transition>
     </mc:Choice>
-    <mc:Fallback>
+    <mc:Fallback xmlns="">
       <p:transition spd="slow">
         <p:fade/>
       </p:transition>
@@ -3963,7 +4180,7 @@
           <p:cNvPr id="2" name="Title 1">
             <a:extLst>
               <a:ext uri="{FF2B5EF4-FFF2-40B4-BE49-F238E27FC236}">
-                <a16:creationId xmlns:a16="http://schemas.microsoft.com/office/drawing/2014/main" id="{16F74C0E-A738-439B-A73B-5BB25FE2F6D2}"/>
+                <a16:creationId xmlns:a16="http://schemas.microsoft.com/office/drawing/2014/main" id="{B850ADC7-9D4E-4815-A45F-3AF6F852CBA0}"/>
               </a:ext>
             </a:extLst>
           </p:cNvPr>
@@ -3981,766 +4198,47 @@
           <a:p>
             <a:r>
               <a:rPr lang="en-US" dirty="0"/>
-              <a:t>Relational </a:t>
-            </a:r>
-            <a:r>
-              <a:rPr lang="en-US" dirty="0" err="1"/>
-              <a:t>Schmea</a:t>
-            </a:r>
-            <a:endParaRPr lang="en-US" dirty="0"/>
-          </a:p>
-        </p:txBody>
-      </p:sp>
-      <p:sp>
-        <p:nvSpPr>
-          <p:cNvPr id="3" name="Content Placeholder 2">
-            <a:extLst>
-              <a:ext uri="{FF2B5EF4-FFF2-40B4-BE49-F238E27FC236}">
-                <a16:creationId xmlns:a16="http://schemas.microsoft.com/office/drawing/2014/main" id="{9CFF1FC4-2C3A-4DB9-8BB8-1FE556E1EF0A}"/>
-              </a:ext>
-            </a:extLst>
-          </p:cNvPr>
-          <p:cNvSpPr>
-            <a:spLocks noGrp="1"/>
-          </p:cNvSpPr>
+              <a:t>ERD</a:t>
+            </a:r>
+          </a:p>
+        </p:txBody>
+      </p:sp>
+      <p:pic>
+        <p:nvPicPr>
+          <p:cNvPr id="4" name="Content Placeholder 3">
+            <a:extLst>
+              <a:ext uri="{FF2B5EF4-FFF2-40B4-BE49-F238E27FC236}">
+                <a16:creationId xmlns:a16="http://schemas.microsoft.com/office/drawing/2014/main" id="{9E7A812E-DE00-49E2-9C60-35D2FD1052E8}"/>
+              </a:ext>
+            </a:extLst>
+          </p:cNvPr>
+          <p:cNvPicPr>
+            <a:picLocks noGrp="1" noChangeAspect="1"/>
+          </p:cNvPicPr>
           <p:nvPr>
             <p:ph idx="1"/>
           </p:nvPr>
-        </p:nvSpPr>
-        <p:spPr/>
-        <p:txBody>
-          <a:bodyPr/>
-          <a:lstStyle/>
-          <a:p>
-            <a:pPr marL="0" marR="0">
-              <a:lnSpc>
-                <a:spcPct val="107000"/>
-              </a:lnSpc>
-              <a:spcBef>
-                <a:spcPts val="0"/>
-              </a:spcBef>
-              <a:spcAft>
-                <a:spcPts val="800"/>
-              </a:spcAft>
-            </a:pPr>
-            <a:r>
-              <a:rPr lang="en-US" sz="1800" dirty="0">
-                <a:effectLst/>
-                <a:latin typeface="Calibri" panose="020F0502020204030204" pitchFamily="34" charset="0"/>
-                <a:ea typeface="Calibri" panose="020F0502020204030204" pitchFamily="34" charset="0"/>
-                <a:cs typeface="Times New Roman" panose="02020603050405020304" pitchFamily="18" charset="0"/>
-              </a:rPr>
-              <a:t>Donator(</a:t>
-            </a:r>
-            <a:r>
-              <a:rPr lang="en-US" sz="1800" u="sng" dirty="0" err="1">
-                <a:effectLst/>
-                <a:latin typeface="Calibri" panose="020F0502020204030204" pitchFamily="34" charset="0"/>
-                <a:ea typeface="Calibri" panose="020F0502020204030204" pitchFamily="34" charset="0"/>
-                <a:cs typeface="Times New Roman" panose="02020603050405020304" pitchFamily="18" charset="0"/>
-              </a:rPr>
-              <a:t>DName</a:t>
-            </a:r>
-            <a:r>
-              <a:rPr lang="en-US" sz="1800" dirty="0">
-                <a:effectLst/>
-                <a:latin typeface="Calibri" panose="020F0502020204030204" pitchFamily="34" charset="0"/>
-                <a:ea typeface="Calibri" panose="020F0502020204030204" pitchFamily="34" charset="0"/>
-                <a:cs typeface="Times New Roman" panose="02020603050405020304" pitchFamily="18" charset="0"/>
-              </a:rPr>
-              <a:t>, </a:t>
-            </a:r>
-            <a:r>
-              <a:rPr lang="en-US" sz="1800" dirty="0" err="1">
-                <a:effectLst/>
-                <a:latin typeface="Calibri" panose="020F0502020204030204" pitchFamily="34" charset="0"/>
-                <a:ea typeface="Calibri" panose="020F0502020204030204" pitchFamily="34" charset="0"/>
-                <a:cs typeface="Times New Roman" panose="02020603050405020304" pitchFamily="18" charset="0"/>
-              </a:rPr>
-              <a:t>DPhone</a:t>
-            </a:r>
-            <a:r>
-              <a:rPr lang="en-US" sz="1800" dirty="0">
-                <a:effectLst/>
-                <a:latin typeface="Calibri" panose="020F0502020204030204" pitchFamily="34" charset="0"/>
-                <a:ea typeface="Calibri" panose="020F0502020204030204" pitchFamily="34" charset="0"/>
-                <a:cs typeface="Times New Roman" panose="02020603050405020304" pitchFamily="18" charset="0"/>
-              </a:rPr>
-              <a:t>, </a:t>
-            </a:r>
-            <a:r>
-              <a:rPr lang="en-US" sz="1800" dirty="0" err="1">
-                <a:effectLst/>
-                <a:latin typeface="Calibri" panose="020F0502020204030204" pitchFamily="34" charset="0"/>
-                <a:ea typeface="Calibri" panose="020F0502020204030204" pitchFamily="34" charset="0"/>
-                <a:cs typeface="Times New Roman" panose="02020603050405020304" pitchFamily="18" charset="0"/>
-              </a:rPr>
-              <a:t>DAddress</a:t>
-            </a:r>
-            <a:r>
-              <a:rPr lang="en-US" sz="1800" dirty="0">
-                <a:effectLst/>
-                <a:latin typeface="Calibri" panose="020F0502020204030204" pitchFamily="34" charset="0"/>
-                <a:ea typeface="Calibri" panose="020F0502020204030204" pitchFamily="34" charset="0"/>
-                <a:cs typeface="Times New Roman" panose="02020603050405020304" pitchFamily="18" charset="0"/>
-              </a:rPr>
-              <a:t>)</a:t>
-            </a:r>
-          </a:p>
-          <a:p>
-            <a:pPr marL="0" marR="0">
-              <a:lnSpc>
-                <a:spcPct val="107000"/>
-              </a:lnSpc>
-              <a:spcBef>
-                <a:spcPts val="0"/>
-              </a:spcBef>
-              <a:spcAft>
-                <a:spcPts val="800"/>
-              </a:spcAft>
-            </a:pPr>
-            <a:r>
-              <a:rPr lang="en-US" sz="1800" dirty="0">
-                <a:effectLst/>
-                <a:latin typeface="Calibri" panose="020F0502020204030204" pitchFamily="34" charset="0"/>
-                <a:ea typeface="Calibri" panose="020F0502020204030204" pitchFamily="34" charset="0"/>
-                <a:cs typeface="Times New Roman" panose="02020603050405020304" pitchFamily="18" charset="0"/>
-              </a:rPr>
-              <a:t>Museum(</a:t>
-            </a:r>
-            <a:r>
-              <a:rPr lang="en-US" sz="1800" u="sng" dirty="0" err="1">
-                <a:effectLst/>
-                <a:latin typeface="Calibri" panose="020F0502020204030204" pitchFamily="34" charset="0"/>
-                <a:ea typeface="Calibri" panose="020F0502020204030204" pitchFamily="34" charset="0"/>
-                <a:cs typeface="Times New Roman" panose="02020603050405020304" pitchFamily="18" charset="0"/>
-              </a:rPr>
-              <a:t>MName</a:t>
-            </a:r>
-            <a:r>
-              <a:rPr lang="en-US" sz="1800" u="sng" dirty="0">
-                <a:effectLst/>
-                <a:latin typeface="Calibri" panose="020F0502020204030204" pitchFamily="34" charset="0"/>
-                <a:ea typeface="Calibri" panose="020F0502020204030204" pitchFamily="34" charset="0"/>
-                <a:cs typeface="Times New Roman" panose="02020603050405020304" pitchFamily="18" charset="0"/>
-              </a:rPr>
-              <a:t>,</a:t>
-            </a:r>
-            <a:r>
-              <a:rPr lang="en-US" sz="1800" dirty="0">
-                <a:effectLst/>
-                <a:latin typeface="Calibri" panose="020F0502020204030204" pitchFamily="34" charset="0"/>
-                <a:ea typeface="Calibri" panose="020F0502020204030204" pitchFamily="34" charset="0"/>
-                <a:cs typeface="Times New Roman" panose="02020603050405020304" pitchFamily="18" charset="0"/>
-              </a:rPr>
-              <a:t> </a:t>
-            </a:r>
-            <a:r>
-              <a:rPr lang="en-US" sz="1800" dirty="0" err="1">
-                <a:effectLst/>
-                <a:latin typeface="Calibri" panose="020F0502020204030204" pitchFamily="34" charset="0"/>
-                <a:ea typeface="Calibri" panose="020F0502020204030204" pitchFamily="34" charset="0"/>
-                <a:cs typeface="Times New Roman" panose="02020603050405020304" pitchFamily="18" charset="0"/>
-              </a:rPr>
-              <a:t>MPhone</a:t>
-            </a:r>
-            <a:r>
-              <a:rPr lang="en-US" sz="1800" dirty="0">
-                <a:effectLst/>
-                <a:latin typeface="Calibri" panose="020F0502020204030204" pitchFamily="34" charset="0"/>
-                <a:ea typeface="Calibri" panose="020F0502020204030204" pitchFamily="34" charset="0"/>
-                <a:cs typeface="Times New Roman" panose="02020603050405020304" pitchFamily="18" charset="0"/>
-              </a:rPr>
-              <a:t>, </a:t>
-            </a:r>
-            <a:r>
-              <a:rPr lang="en-US" sz="1800" dirty="0" err="1">
-                <a:effectLst/>
-                <a:latin typeface="Calibri" panose="020F0502020204030204" pitchFamily="34" charset="0"/>
-                <a:ea typeface="Calibri" panose="020F0502020204030204" pitchFamily="34" charset="0"/>
-                <a:cs typeface="Times New Roman" panose="02020603050405020304" pitchFamily="18" charset="0"/>
-              </a:rPr>
-              <a:t>MAddress</a:t>
-            </a:r>
-            <a:r>
-              <a:rPr lang="en-US" sz="1800" dirty="0">
-                <a:effectLst/>
-                <a:latin typeface="Calibri" panose="020F0502020204030204" pitchFamily="34" charset="0"/>
-                <a:ea typeface="Calibri" panose="020F0502020204030204" pitchFamily="34" charset="0"/>
-                <a:cs typeface="Times New Roman" panose="02020603050405020304" pitchFamily="18" charset="0"/>
-              </a:rPr>
-              <a:t>)</a:t>
-            </a:r>
-          </a:p>
-          <a:p>
-            <a:pPr marL="0" marR="0">
-              <a:lnSpc>
-                <a:spcPct val="107000"/>
-              </a:lnSpc>
-              <a:spcBef>
-                <a:spcPts val="0"/>
-              </a:spcBef>
-              <a:spcAft>
-                <a:spcPts val="800"/>
-              </a:spcAft>
-            </a:pPr>
-            <a:r>
-              <a:rPr lang="en-US" sz="1800" dirty="0">
-                <a:effectLst/>
-                <a:latin typeface="Calibri" panose="020F0502020204030204" pitchFamily="34" charset="0"/>
-                <a:ea typeface="Calibri" panose="020F0502020204030204" pitchFamily="34" charset="0"/>
-                <a:cs typeface="Times New Roman" panose="02020603050405020304" pitchFamily="18" charset="0"/>
-              </a:rPr>
-              <a:t>Employee(</a:t>
-            </a:r>
-            <a:r>
-              <a:rPr lang="en-US" sz="1800" u="sng" dirty="0" err="1">
-                <a:effectLst/>
-                <a:latin typeface="Calibri" panose="020F0502020204030204" pitchFamily="34" charset="0"/>
-                <a:ea typeface="Calibri" panose="020F0502020204030204" pitchFamily="34" charset="0"/>
-                <a:cs typeface="Times New Roman" panose="02020603050405020304" pitchFamily="18" charset="0"/>
-              </a:rPr>
-              <a:t>EName</a:t>
-            </a:r>
-            <a:r>
-              <a:rPr lang="en-US" sz="1800" u="sng" dirty="0">
-                <a:effectLst/>
-                <a:latin typeface="Calibri" panose="020F0502020204030204" pitchFamily="34" charset="0"/>
-                <a:ea typeface="Calibri" panose="020F0502020204030204" pitchFamily="34" charset="0"/>
-                <a:cs typeface="Times New Roman" panose="02020603050405020304" pitchFamily="18" charset="0"/>
-              </a:rPr>
-              <a:t>,</a:t>
-            </a:r>
-            <a:r>
-              <a:rPr lang="en-US" sz="1800" dirty="0">
-                <a:effectLst/>
-                <a:latin typeface="Calibri" panose="020F0502020204030204" pitchFamily="34" charset="0"/>
-                <a:ea typeface="Calibri" panose="020F0502020204030204" pitchFamily="34" charset="0"/>
-                <a:cs typeface="Times New Roman" panose="02020603050405020304" pitchFamily="18" charset="0"/>
-              </a:rPr>
-              <a:t> </a:t>
-            </a:r>
-            <a:r>
-              <a:rPr lang="en-US" sz="1800" dirty="0" err="1">
-                <a:effectLst/>
-                <a:latin typeface="Calibri" panose="020F0502020204030204" pitchFamily="34" charset="0"/>
-                <a:ea typeface="Calibri" panose="020F0502020204030204" pitchFamily="34" charset="0"/>
-                <a:cs typeface="Times New Roman" panose="02020603050405020304" pitchFamily="18" charset="0"/>
-              </a:rPr>
-              <a:t>EPhone</a:t>
-            </a:r>
-            <a:r>
-              <a:rPr lang="en-US" sz="1800" dirty="0">
-                <a:effectLst/>
-                <a:latin typeface="Calibri" panose="020F0502020204030204" pitchFamily="34" charset="0"/>
-                <a:ea typeface="Calibri" panose="020F0502020204030204" pitchFamily="34" charset="0"/>
-                <a:cs typeface="Times New Roman" panose="02020603050405020304" pitchFamily="18" charset="0"/>
-              </a:rPr>
-              <a:t>, </a:t>
-            </a:r>
-            <a:r>
-              <a:rPr lang="en-US" sz="1800" dirty="0" err="1">
-                <a:effectLst/>
-                <a:latin typeface="Calibri" panose="020F0502020204030204" pitchFamily="34" charset="0"/>
-                <a:ea typeface="Calibri" panose="020F0502020204030204" pitchFamily="34" charset="0"/>
-                <a:cs typeface="Times New Roman" panose="02020603050405020304" pitchFamily="18" charset="0"/>
-              </a:rPr>
-              <a:t>EAddress</a:t>
-            </a:r>
-            <a:r>
-              <a:rPr lang="en-US" sz="1800" dirty="0">
-                <a:effectLst/>
-                <a:latin typeface="Calibri" panose="020F0502020204030204" pitchFamily="34" charset="0"/>
-                <a:ea typeface="Calibri" panose="020F0502020204030204" pitchFamily="34" charset="0"/>
-                <a:cs typeface="Times New Roman" panose="02020603050405020304" pitchFamily="18" charset="0"/>
-              </a:rPr>
-              <a:t>, </a:t>
-            </a:r>
-            <a:r>
-              <a:rPr lang="en-US" sz="1800" dirty="0" err="1">
-                <a:effectLst/>
-                <a:latin typeface="Calibri" panose="020F0502020204030204" pitchFamily="34" charset="0"/>
-                <a:ea typeface="Calibri" panose="020F0502020204030204" pitchFamily="34" charset="0"/>
-                <a:cs typeface="Times New Roman" panose="02020603050405020304" pitchFamily="18" charset="0"/>
-              </a:rPr>
-              <a:t>ESpecialty</a:t>
-            </a:r>
-            <a:r>
-              <a:rPr lang="en-US" sz="1800" dirty="0">
-                <a:effectLst/>
-                <a:latin typeface="Calibri" panose="020F0502020204030204" pitchFamily="34" charset="0"/>
-                <a:ea typeface="Calibri" panose="020F0502020204030204" pitchFamily="34" charset="0"/>
-                <a:cs typeface="Times New Roman" panose="02020603050405020304" pitchFamily="18" charset="0"/>
-              </a:rPr>
-              <a:t>)</a:t>
-            </a:r>
-          </a:p>
-          <a:p>
-            <a:pPr marL="0" marR="0">
-              <a:lnSpc>
-                <a:spcPct val="107000"/>
-              </a:lnSpc>
-              <a:spcBef>
-                <a:spcPts val="0"/>
-              </a:spcBef>
-              <a:spcAft>
-                <a:spcPts val="800"/>
-              </a:spcAft>
-            </a:pPr>
-            <a:r>
-              <a:rPr lang="en-US" sz="1800" dirty="0">
-                <a:effectLst/>
-                <a:latin typeface="Calibri" panose="020F0502020204030204" pitchFamily="34" charset="0"/>
-                <a:ea typeface="Calibri" panose="020F0502020204030204" pitchFamily="34" charset="0"/>
-                <a:cs typeface="Times New Roman" panose="02020603050405020304" pitchFamily="18" charset="0"/>
-              </a:rPr>
-              <a:t>Volunteer(</a:t>
-            </a:r>
-            <a:r>
-              <a:rPr lang="en-US" sz="1800" u="sng" dirty="0" err="1">
-                <a:effectLst/>
-                <a:latin typeface="Calibri" panose="020F0502020204030204" pitchFamily="34" charset="0"/>
-                <a:ea typeface="Calibri" panose="020F0502020204030204" pitchFamily="34" charset="0"/>
-                <a:cs typeface="Times New Roman" panose="02020603050405020304" pitchFamily="18" charset="0"/>
-              </a:rPr>
-              <a:t>VName</a:t>
-            </a:r>
-            <a:r>
-              <a:rPr lang="en-US" sz="1800" dirty="0">
-                <a:effectLst/>
-                <a:latin typeface="Calibri" panose="020F0502020204030204" pitchFamily="34" charset="0"/>
-                <a:ea typeface="Calibri" panose="020F0502020204030204" pitchFamily="34" charset="0"/>
-                <a:cs typeface="Times New Roman" panose="02020603050405020304" pitchFamily="18" charset="0"/>
-              </a:rPr>
-              <a:t>, </a:t>
-            </a:r>
-            <a:r>
-              <a:rPr lang="en-US" sz="1800" dirty="0" err="1">
-                <a:effectLst/>
-                <a:latin typeface="Calibri" panose="020F0502020204030204" pitchFamily="34" charset="0"/>
-                <a:ea typeface="Calibri" panose="020F0502020204030204" pitchFamily="34" charset="0"/>
-                <a:cs typeface="Times New Roman" panose="02020603050405020304" pitchFamily="18" charset="0"/>
-              </a:rPr>
-              <a:t>VPhone</a:t>
-            </a:r>
-            <a:r>
-              <a:rPr lang="en-US" sz="1800" dirty="0">
-                <a:effectLst/>
-                <a:latin typeface="Calibri" panose="020F0502020204030204" pitchFamily="34" charset="0"/>
-                <a:ea typeface="Calibri" panose="020F0502020204030204" pitchFamily="34" charset="0"/>
-                <a:cs typeface="Times New Roman" panose="02020603050405020304" pitchFamily="18" charset="0"/>
-              </a:rPr>
-              <a:t>)</a:t>
-            </a:r>
-          </a:p>
-          <a:p>
-            <a:pPr marL="0" marR="0">
-              <a:lnSpc>
-                <a:spcPct val="107000"/>
-              </a:lnSpc>
-              <a:spcBef>
-                <a:spcPts val="0"/>
-              </a:spcBef>
-              <a:spcAft>
-                <a:spcPts val="800"/>
-              </a:spcAft>
-            </a:pPr>
-            <a:r>
-              <a:rPr lang="en-US" sz="1800" dirty="0">
-                <a:effectLst/>
-                <a:latin typeface="Calibri" panose="020F0502020204030204" pitchFamily="34" charset="0"/>
-                <a:ea typeface="Calibri" panose="020F0502020204030204" pitchFamily="34" charset="0"/>
-                <a:cs typeface="Times New Roman" panose="02020603050405020304" pitchFamily="18" charset="0"/>
-              </a:rPr>
-              <a:t>Appraiser(</a:t>
-            </a:r>
-            <a:r>
-              <a:rPr lang="en-US" sz="1800" u="sng" dirty="0" err="1">
-                <a:effectLst/>
-                <a:latin typeface="Calibri" panose="020F0502020204030204" pitchFamily="34" charset="0"/>
-                <a:ea typeface="Calibri" panose="020F0502020204030204" pitchFamily="34" charset="0"/>
-                <a:cs typeface="Times New Roman" panose="02020603050405020304" pitchFamily="18" charset="0"/>
-              </a:rPr>
-              <a:t>AName</a:t>
-            </a:r>
-            <a:r>
-              <a:rPr lang="en-US" sz="1800" dirty="0">
-                <a:effectLst/>
-                <a:latin typeface="Calibri" panose="020F0502020204030204" pitchFamily="34" charset="0"/>
-                <a:ea typeface="Calibri" panose="020F0502020204030204" pitchFamily="34" charset="0"/>
-                <a:cs typeface="Times New Roman" panose="02020603050405020304" pitchFamily="18" charset="0"/>
-              </a:rPr>
-              <a:t>, </a:t>
-            </a:r>
-            <a:r>
-              <a:rPr lang="en-US" sz="1800" dirty="0" err="1">
-                <a:effectLst/>
-                <a:latin typeface="Calibri" panose="020F0502020204030204" pitchFamily="34" charset="0"/>
-                <a:ea typeface="Calibri" panose="020F0502020204030204" pitchFamily="34" charset="0"/>
-                <a:cs typeface="Times New Roman" panose="02020603050405020304" pitchFamily="18" charset="0"/>
-              </a:rPr>
-              <a:t>APhone</a:t>
-            </a:r>
-            <a:r>
-              <a:rPr lang="en-US" sz="1800" dirty="0">
-                <a:effectLst/>
-                <a:latin typeface="Calibri" panose="020F0502020204030204" pitchFamily="34" charset="0"/>
-                <a:ea typeface="Calibri" panose="020F0502020204030204" pitchFamily="34" charset="0"/>
-                <a:cs typeface="Times New Roman" panose="02020603050405020304" pitchFamily="18" charset="0"/>
-              </a:rPr>
-              <a:t>, </a:t>
-            </a:r>
-            <a:r>
-              <a:rPr lang="en-US" sz="1800" dirty="0" err="1">
-                <a:effectLst/>
-                <a:latin typeface="Calibri" panose="020F0502020204030204" pitchFamily="34" charset="0"/>
-                <a:ea typeface="Calibri" panose="020F0502020204030204" pitchFamily="34" charset="0"/>
-                <a:cs typeface="Times New Roman" panose="02020603050405020304" pitchFamily="18" charset="0"/>
-              </a:rPr>
-              <a:t>ASpecialty</a:t>
-            </a:r>
-            <a:r>
-              <a:rPr lang="en-US" sz="1800" dirty="0">
-                <a:effectLst/>
-                <a:latin typeface="Calibri" panose="020F0502020204030204" pitchFamily="34" charset="0"/>
-                <a:ea typeface="Calibri" panose="020F0502020204030204" pitchFamily="34" charset="0"/>
-                <a:cs typeface="Times New Roman" panose="02020603050405020304" pitchFamily="18" charset="0"/>
-              </a:rPr>
-              <a:t>)</a:t>
-            </a:r>
-          </a:p>
-          <a:p>
-            <a:pPr marL="0" marR="0">
-              <a:lnSpc>
-                <a:spcPct val="107000"/>
-              </a:lnSpc>
-              <a:spcBef>
-                <a:spcPts val="0"/>
-              </a:spcBef>
-              <a:spcAft>
-                <a:spcPts val="800"/>
-              </a:spcAft>
-            </a:pPr>
-            <a:r>
-              <a:rPr lang="en-US" sz="1800" dirty="0">
-                <a:effectLst/>
-                <a:latin typeface="Calibri" panose="020F0502020204030204" pitchFamily="34" charset="0"/>
-                <a:ea typeface="Calibri" panose="020F0502020204030204" pitchFamily="34" charset="0"/>
-                <a:cs typeface="Times New Roman" panose="02020603050405020304" pitchFamily="18" charset="0"/>
-              </a:rPr>
-              <a:t>Exhibit(</a:t>
-            </a:r>
-            <a:r>
-              <a:rPr lang="en-US" sz="1800" u="sng" dirty="0" err="1">
-                <a:effectLst/>
-                <a:latin typeface="Calibri" panose="020F0502020204030204" pitchFamily="34" charset="0"/>
-                <a:ea typeface="Calibri" panose="020F0502020204030204" pitchFamily="34" charset="0"/>
-                <a:cs typeface="Times New Roman" panose="02020603050405020304" pitchFamily="18" charset="0"/>
-              </a:rPr>
-              <a:t>XName</a:t>
-            </a:r>
-            <a:r>
-              <a:rPr lang="en-US" sz="1800" u="sng" dirty="0">
-                <a:effectLst/>
-                <a:latin typeface="Calibri" panose="020F0502020204030204" pitchFamily="34" charset="0"/>
-                <a:ea typeface="Calibri" panose="020F0502020204030204" pitchFamily="34" charset="0"/>
-                <a:cs typeface="Times New Roman" panose="02020603050405020304" pitchFamily="18" charset="0"/>
-              </a:rPr>
-              <a:t>,</a:t>
-            </a:r>
-            <a:r>
-              <a:rPr lang="en-US" sz="1800" dirty="0">
-                <a:effectLst/>
-                <a:latin typeface="Calibri" panose="020F0502020204030204" pitchFamily="34" charset="0"/>
-                <a:ea typeface="Calibri" panose="020F0502020204030204" pitchFamily="34" charset="0"/>
-                <a:cs typeface="Times New Roman" panose="02020603050405020304" pitchFamily="18" charset="0"/>
-              </a:rPr>
-              <a:t> </a:t>
-            </a:r>
-            <a:r>
-              <a:rPr lang="en-US" sz="1800" dirty="0" err="1">
-                <a:effectLst/>
-                <a:latin typeface="Calibri" panose="020F0502020204030204" pitchFamily="34" charset="0"/>
-                <a:ea typeface="Calibri" panose="020F0502020204030204" pitchFamily="34" charset="0"/>
-                <a:cs typeface="Times New Roman" panose="02020603050405020304" pitchFamily="18" charset="0"/>
-              </a:rPr>
-              <a:t>XStart</a:t>
-            </a:r>
-            <a:r>
-              <a:rPr lang="en-US" sz="1800" dirty="0">
-                <a:effectLst/>
-                <a:latin typeface="Calibri" panose="020F0502020204030204" pitchFamily="34" charset="0"/>
-                <a:ea typeface="Calibri" panose="020F0502020204030204" pitchFamily="34" charset="0"/>
-                <a:cs typeface="Times New Roman" panose="02020603050405020304" pitchFamily="18" charset="0"/>
-              </a:rPr>
-              <a:t>, </a:t>
-            </a:r>
-            <a:r>
-              <a:rPr lang="en-US" sz="1800" dirty="0" err="1">
-                <a:effectLst/>
-                <a:latin typeface="Calibri" panose="020F0502020204030204" pitchFamily="34" charset="0"/>
-                <a:ea typeface="Calibri" panose="020F0502020204030204" pitchFamily="34" charset="0"/>
-                <a:cs typeface="Times New Roman" panose="02020603050405020304" pitchFamily="18" charset="0"/>
-              </a:rPr>
-              <a:t>XEnd</a:t>
-            </a:r>
-            <a:r>
-              <a:rPr lang="en-US" sz="1800" dirty="0">
-                <a:effectLst/>
-                <a:latin typeface="Calibri" panose="020F0502020204030204" pitchFamily="34" charset="0"/>
-                <a:ea typeface="Calibri" panose="020F0502020204030204" pitchFamily="34" charset="0"/>
-                <a:cs typeface="Times New Roman" panose="02020603050405020304" pitchFamily="18" charset="0"/>
-              </a:rPr>
-              <a:t>, </a:t>
-            </a:r>
-            <a:r>
-              <a:rPr lang="en-US" sz="1800" dirty="0" err="1">
-                <a:effectLst/>
-                <a:latin typeface="Calibri" panose="020F0502020204030204" pitchFamily="34" charset="0"/>
-                <a:ea typeface="Calibri" panose="020F0502020204030204" pitchFamily="34" charset="0"/>
-                <a:cs typeface="Times New Roman" panose="02020603050405020304" pitchFamily="18" charset="0"/>
-              </a:rPr>
-              <a:t>XLocation</a:t>
-            </a:r>
-            <a:r>
-              <a:rPr lang="en-US" sz="1800" dirty="0">
-                <a:effectLst/>
-                <a:latin typeface="Calibri" panose="020F0502020204030204" pitchFamily="34" charset="0"/>
-                <a:ea typeface="Calibri" panose="020F0502020204030204" pitchFamily="34" charset="0"/>
-                <a:cs typeface="Times New Roman" panose="02020603050405020304" pitchFamily="18" charset="0"/>
-              </a:rPr>
-              <a:t>)</a:t>
-            </a:r>
-          </a:p>
-          <a:p>
-            <a:pPr marL="0" marR="0">
-              <a:lnSpc>
-                <a:spcPct val="107000"/>
-              </a:lnSpc>
-              <a:spcBef>
-                <a:spcPts val="0"/>
-              </a:spcBef>
-              <a:spcAft>
-                <a:spcPts val="800"/>
-              </a:spcAft>
-            </a:pPr>
-            <a:r>
-              <a:rPr lang="en-US" sz="1800" dirty="0">
-                <a:effectLst/>
-                <a:latin typeface="Calibri" panose="020F0502020204030204" pitchFamily="34" charset="0"/>
-                <a:ea typeface="Calibri" panose="020F0502020204030204" pitchFamily="34" charset="0"/>
-                <a:cs typeface="Times New Roman" panose="02020603050405020304" pitchFamily="18" charset="0"/>
-              </a:rPr>
-              <a:t>Item(</a:t>
-            </a:r>
-            <a:r>
-              <a:rPr lang="en-US" sz="1800" u="sng" dirty="0">
-                <a:effectLst/>
-                <a:latin typeface="Calibri" panose="020F0502020204030204" pitchFamily="34" charset="0"/>
-                <a:ea typeface="Calibri" panose="020F0502020204030204" pitchFamily="34" charset="0"/>
-                <a:cs typeface="Times New Roman" panose="02020603050405020304" pitchFamily="18" charset="0"/>
-              </a:rPr>
-              <a:t>IID</a:t>
-            </a:r>
-            <a:r>
-              <a:rPr lang="en-US" sz="1800" dirty="0">
-                <a:effectLst/>
-                <a:latin typeface="Calibri" panose="020F0502020204030204" pitchFamily="34" charset="0"/>
-                <a:ea typeface="Calibri" panose="020F0502020204030204" pitchFamily="34" charset="0"/>
-                <a:cs typeface="Times New Roman" panose="02020603050405020304" pitchFamily="18" charset="0"/>
-              </a:rPr>
-              <a:t>, </a:t>
-            </a:r>
-            <a:r>
-              <a:rPr lang="en-US" sz="1800" dirty="0" err="1">
-                <a:effectLst/>
-                <a:latin typeface="Calibri" panose="020F0502020204030204" pitchFamily="34" charset="0"/>
-                <a:ea typeface="Calibri" panose="020F0502020204030204" pitchFamily="34" charset="0"/>
-                <a:cs typeface="Times New Roman" panose="02020603050405020304" pitchFamily="18" charset="0"/>
-              </a:rPr>
-              <a:t>IName</a:t>
-            </a:r>
-            <a:r>
-              <a:rPr lang="en-US" sz="1800" dirty="0">
-                <a:effectLst/>
-                <a:latin typeface="Calibri" panose="020F0502020204030204" pitchFamily="34" charset="0"/>
-                <a:ea typeface="Calibri" panose="020F0502020204030204" pitchFamily="34" charset="0"/>
-                <a:cs typeface="Times New Roman" panose="02020603050405020304" pitchFamily="18" charset="0"/>
-              </a:rPr>
-              <a:t>, </a:t>
-            </a:r>
-            <a:r>
-              <a:rPr lang="en-US" sz="1800" dirty="0" err="1">
-                <a:effectLst/>
-                <a:latin typeface="Calibri" panose="020F0502020204030204" pitchFamily="34" charset="0"/>
-                <a:ea typeface="Calibri" panose="020F0502020204030204" pitchFamily="34" charset="0"/>
-                <a:cs typeface="Times New Roman" panose="02020603050405020304" pitchFamily="18" charset="0"/>
-              </a:rPr>
-              <a:t>ICondition</a:t>
-            </a:r>
-            <a:r>
-              <a:rPr lang="en-US" sz="1800" dirty="0">
-                <a:effectLst/>
-                <a:latin typeface="Calibri" panose="020F0502020204030204" pitchFamily="34" charset="0"/>
-                <a:ea typeface="Calibri" panose="020F0502020204030204" pitchFamily="34" charset="0"/>
-                <a:cs typeface="Times New Roman" panose="02020603050405020304" pitchFamily="18" charset="0"/>
-              </a:rPr>
-              <a:t>, </a:t>
-            </a:r>
-            <a:r>
-              <a:rPr lang="en-US" sz="1800" i="1" dirty="0" err="1">
-                <a:effectLst/>
-                <a:latin typeface="Calibri" panose="020F0502020204030204" pitchFamily="34" charset="0"/>
-                <a:ea typeface="Calibri" panose="020F0502020204030204" pitchFamily="34" charset="0"/>
-                <a:cs typeface="Times New Roman" panose="02020603050405020304" pitchFamily="18" charset="0"/>
-              </a:rPr>
-              <a:t>DName</a:t>
-            </a:r>
-            <a:r>
-              <a:rPr lang="en-US" sz="1800" i="1" dirty="0">
-                <a:effectLst/>
-                <a:latin typeface="Calibri" panose="020F0502020204030204" pitchFamily="34" charset="0"/>
-                <a:ea typeface="Calibri" panose="020F0502020204030204" pitchFamily="34" charset="0"/>
-                <a:cs typeface="Times New Roman" panose="02020603050405020304" pitchFamily="18" charset="0"/>
-              </a:rPr>
-              <a:t>, </a:t>
-            </a:r>
-            <a:r>
-              <a:rPr lang="en-US" sz="1800" i="1" dirty="0" err="1">
-                <a:effectLst/>
-                <a:latin typeface="Calibri" panose="020F0502020204030204" pitchFamily="34" charset="0"/>
-                <a:ea typeface="Calibri" panose="020F0502020204030204" pitchFamily="34" charset="0"/>
-                <a:cs typeface="Times New Roman" panose="02020603050405020304" pitchFamily="18" charset="0"/>
-              </a:rPr>
-              <a:t>AName</a:t>
-            </a:r>
-            <a:r>
-              <a:rPr lang="en-US" sz="1800" i="1" dirty="0">
-                <a:effectLst/>
-                <a:latin typeface="Calibri" panose="020F0502020204030204" pitchFamily="34" charset="0"/>
-                <a:ea typeface="Calibri" panose="020F0502020204030204" pitchFamily="34" charset="0"/>
-                <a:cs typeface="Times New Roman" panose="02020603050405020304" pitchFamily="18" charset="0"/>
-              </a:rPr>
-              <a:t>, </a:t>
-            </a:r>
-            <a:r>
-              <a:rPr lang="en-US" sz="1800" i="1" dirty="0" err="1">
-                <a:effectLst/>
-                <a:latin typeface="Calibri" panose="020F0502020204030204" pitchFamily="34" charset="0"/>
-                <a:ea typeface="Calibri" panose="020F0502020204030204" pitchFamily="34" charset="0"/>
-                <a:cs typeface="Times New Roman" panose="02020603050405020304" pitchFamily="18" charset="0"/>
-              </a:rPr>
-              <a:t>XName</a:t>
-            </a:r>
-            <a:r>
-              <a:rPr lang="en-US" sz="1800" i="1" dirty="0">
-                <a:effectLst/>
-                <a:latin typeface="Calibri" panose="020F0502020204030204" pitchFamily="34" charset="0"/>
-                <a:ea typeface="Calibri" panose="020F0502020204030204" pitchFamily="34" charset="0"/>
-                <a:cs typeface="Times New Roman" panose="02020603050405020304" pitchFamily="18" charset="0"/>
-              </a:rPr>
-              <a:t>, </a:t>
-            </a:r>
-            <a:r>
-              <a:rPr lang="en-US" sz="1800" dirty="0" err="1">
-                <a:effectLst/>
-                <a:latin typeface="Calibri" panose="020F0502020204030204" pitchFamily="34" charset="0"/>
-                <a:ea typeface="Calibri" panose="020F0502020204030204" pitchFamily="34" charset="0"/>
-                <a:cs typeface="Times New Roman" panose="02020603050405020304" pitchFamily="18" charset="0"/>
-              </a:rPr>
-              <a:t>IComments</a:t>
-            </a:r>
-            <a:r>
-              <a:rPr lang="en-US" sz="1800" dirty="0">
-                <a:effectLst/>
-                <a:latin typeface="Calibri" panose="020F0502020204030204" pitchFamily="34" charset="0"/>
-                <a:ea typeface="Calibri" panose="020F0502020204030204" pitchFamily="34" charset="0"/>
-                <a:cs typeface="Times New Roman" panose="02020603050405020304" pitchFamily="18" charset="0"/>
-              </a:rPr>
-              <a:t>, </a:t>
-            </a:r>
-            <a:r>
-              <a:rPr lang="en-US" sz="1800" dirty="0" err="1">
-                <a:effectLst/>
-                <a:latin typeface="Calibri" panose="020F0502020204030204" pitchFamily="34" charset="0"/>
-                <a:ea typeface="Calibri" panose="020F0502020204030204" pitchFamily="34" charset="0"/>
-                <a:cs typeface="Times New Roman" panose="02020603050405020304" pitchFamily="18" charset="0"/>
-              </a:rPr>
-              <a:t>IDimensions</a:t>
-            </a:r>
-            <a:r>
-              <a:rPr lang="en-US" sz="1800" dirty="0">
-                <a:effectLst/>
-                <a:latin typeface="Calibri" panose="020F0502020204030204" pitchFamily="34" charset="0"/>
-                <a:ea typeface="Calibri" panose="020F0502020204030204" pitchFamily="34" charset="0"/>
-                <a:cs typeface="Times New Roman" panose="02020603050405020304" pitchFamily="18" charset="0"/>
-              </a:rPr>
-              <a:t>, </a:t>
-            </a:r>
-            <a:r>
-              <a:rPr lang="en-US" sz="1800" dirty="0" err="1">
-                <a:effectLst/>
-                <a:latin typeface="Calibri" panose="020F0502020204030204" pitchFamily="34" charset="0"/>
-                <a:ea typeface="Calibri" panose="020F0502020204030204" pitchFamily="34" charset="0"/>
-                <a:cs typeface="Times New Roman" panose="02020603050405020304" pitchFamily="18" charset="0"/>
-              </a:rPr>
-              <a:t>ILocation</a:t>
-            </a:r>
-            <a:r>
-              <a:rPr lang="en-US" sz="1800" dirty="0">
-                <a:effectLst/>
-                <a:latin typeface="Calibri" panose="020F0502020204030204" pitchFamily="34" charset="0"/>
-                <a:ea typeface="Calibri" panose="020F0502020204030204" pitchFamily="34" charset="0"/>
-                <a:cs typeface="Times New Roman" panose="02020603050405020304" pitchFamily="18" charset="0"/>
-              </a:rPr>
-              <a:t>, </a:t>
-            </a:r>
-            <a:r>
-              <a:rPr lang="en-US" sz="1800" dirty="0" err="1">
-                <a:effectLst/>
-                <a:latin typeface="Calibri" panose="020F0502020204030204" pitchFamily="34" charset="0"/>
-                <a:ea typeface="Calibri" panose="020F0502020204030204" pitchFamily="34" charset="0"/>
-                <a:cs typeface="Times New Roman" panose="02020603050405020304" pitchFamily="18" charset="0"/>
-              </a:rPr>
-              <a:t>ITimeperoid</a:t>
-            </a:r>
-            <a:r>
-              <a:rPr lang="en-US" sz="1800" dirty="0">
-                <a:effectLst/>
-                <a:latin typeface="Calibri" panose="020F0502020204030204" pitchFamily="34" charset="0"/>
-                <a:ea typeface="Calibri" panose="020F0502020204030204" pitchFamily="34" charset="0"/>
-                <a:cs typeface="Times New Roman" panose="02020603050405020304" pitchFamily="18" charset="0"/>
-              </a:rPr>
-              <a:t>, </a:t>
-            </a:r>
-            <a:r>
-              <a:rPr lang="en-US" sz="1800" dirty="0" err="1">
-                <a:effectLst/>
-                <a:latin typeface="Calibri" panose="020F0502020204030204" pitchFamily="34" charset="0"/>
-                <a:ea typeface="Calibri" panose="020F0502020204030204" pitchFamily="34" charset="0"/>
-                <a:cs typeface="Times New Roman" panose="02020603050405020304" pitchFamily="18" charset="0"/>
-              </a:rPr>
-              <a:t>IValue</a:t>
-            </a:r>
-            <a:r>
-              <a:rPr lang="en-US" sz="1800" dirty="0">
-                <a:effectLst/>
-                <a:latin typeface="Calibri" panose="020F0502020204030204" pitchFamily="34" charset="0"/>
-                <a:ea typeface="Calibri" panose="020F0502020204030204" pitchFamily="34" charset="0"/>
-                <a:cs typeface="Times New Roman" panose="02020603050405020304" pitchFamily="18" charset="0"/>
-              </a:rPr>
-              <a:t>)</a:t>
-            </a:r>
-          </a:p>
-          <a:p>
-            <a:endParaRPr lang="en-US" dirty="0"/>
-          </a:p>
-        </p:txBody>
-      </p:sp>
+        </p:nvPicPr>
+        <p:blipFill>
+          <a:blip r:embed="rId2"/>
+          <a:stretch>
+            <a:fillRect/>
+          </a:stretch>
+        </p:blipFill>
+        <p:spPr>
+          <a:xfrm>
+            <a:off x="1581150" y="1589858"/>
+            <a:ext cx="8386757" cy="4587105"/>
+          </a:xfrm>
+          <a:prstGeom prst="rect">
+            <a:avLst/>
+          </a:prstGeom>
+        </p:spPr>
+      </p:pic>
     </p:spTree>
     <p:extLst>
       <p:ext uri="{BB962C8B-B14F-4D97-AF65-F5344CB8AC3E}">
-        <p14:creationId xmlns:p14="http://schemas.microsoft.com/office/powerpoint/2010/main" val="329252556"/>
+        <p14:creationId xmlns:p14="http://schemas.microsoft.com/office/powerpoint/2010/main" val="3663870990"/>
       </p:ext>
     </p:extLst>
   </p:cSld>
@@ -4749,8 +4247,8 @@
   </p:clrMapOvr>
   <mc:AlternateContent xmlns:mc="http://schemas.openxmlformats.org/markup-compatibility/2006">
     <mc:Choice xmlns:p15="http://schemas.microsoft.com/office/powerpoint/2012/main" Requires="p15">
-      <p:transition xmlns:p14="http://schemas.microsoft.com/office/powerpoint/2010/main" spd="slow" p14:dur="1250">
-        <p15:prstTrans prst="pageCurlDouble"/>
+      <p:transition xmlns:p14="http://schemas.microsoft.com/office/powerpoint/2010/main" spd="slow" p14:dur="3250">
+        <p15:prstTrans prst="origami"/>
       </p:transition>
     </mc:Choice>
     <mc:Fallback>
@@ -4784,7 +4282,7 @@
           <p:cNvPr id="2" name="Title 1">
             <a:extLst>
               <a:ext uri="{FF2B5EF4-FFF2-40B4-BE49-F238E27FC236}">
-                <a16:creationId xmlns:a16="http://schemas.microsoft.com/office/drawing/2014/main" id="{97BB5F64-390D-4BE9-9B98-12B48E3D0E99}"/>
+                <a16:creationId xmlns:a16="http://schemas.microsoft.com/office/drawing/2014/main" id="{16F74C0E-A738-439B-A73B-5BB25FE2F6D2}"/>
               </a:ext>
             </a:extLst>
           </p:cNvPr>
@@ -4802,8 +4300,13 @@
           <a:p>
             <a:r>
               <a:rPr lang="en-US" dirty="0"/>
-              <a:t>DDL</a:t>
-            </a:r>
+              <a:t>Relational </a:t>
+            </a:r>
+            <a:r>
+              <a:rPr lang="en-US" dirty="0" err="1"/>
+              <a:t>Schmea</a:t>
+            </a:r>
+            <a:endParaRPr lang="en-US" dirty="0"/>
           </a:p>
         </p:txBody>
       </p:sp>
@@ -4812,7 +4315,7 @@
           <p:cNvPr id="3" name="Content Placeholder 2">
             <a:extLst>
               <a:ext uri="{FF2B5EF4-FFF2-40B4-BE49-F238E27FC236}">
-                <a16:creationId xmlns:a16="http://schemas.microsoft.com/office/drawing/2014/main" id="{18E40C67-6249-49AF-BA0F-6EFE0A9D4EAA}"/>
+                <a16:creationId xmlns:a16="http://schemas.microsoft.com/office/drawing/2014/main" id="{9CFF1FC4-2C3A-4DB9-8BB8-1FE556E1EF0A}"/>
               </a:ext>
             </a:extLst>
           </p:cNvPr>
@@ -4828,20 +4331,753 @@
           <a:bodyPr/>
           <a:lstStyle/>
           <a:p>
-            <a:endParaRPr lang="en-US"/>
+            <a:pPr marL="0" marR="0">
+              <a:lnSpc>
+                <a:spcPct val="107000"/>
+              </a:lnSpc>
+              <a:spcBef>
+                <a:spcPts val="0"/>
+              </a:spcBef>
+              <a:spcAft>
+                <a:spcPts val="800"/>
+              </a:spcAft>
+            </a:pPr>
+            <a:r>
+              <a:rPr lang="en-US" sz="1800" dirty="0">
+                <a:effectLst/>
+                <a:latin typeface="Calibri" panose="020F0502020204030204" pitchFamily="34" charset="0"/>
+                <a:ea typeface="Calibri" panose="020F0502020204030204" pitchFamily="34" charset="0"/>
+                <a:cs typeface="Times New Roman" panose="02020603050405020304" pitchFamily="18" charset="0"/>
+              </a:rPr>
+              <a:t>Donator(</a:t>
+            </a:r>
+            <a:r>
+              <a:rPr lang="en-US" sz="1800" u="sng" dirty="0" err="1">
+                <a:effectLst/>
+                <a:latin typeface="Calibri" panose="020F0502020204030204" pitchFamily="34" charset="0"/>
+                <a:ea typeface="Calibri" panose="020F0502020204030204" pitchFamily="34" charset="0"/>
+                <a:cs typeface="Times New Roman" panose="02020603050405020304" pitchFamily="18" charset="0"/>
+              </a:rPr>
+              <a:t>DName</a:t>
+            </a:r>
+            <a:r>
+              <a:rPr lang="en-US" sz="1800" dirty="0">
+                <a:effectLst/>
+                <a:latin typeface="Calibri" panose="020F0502020204030204" pitchFamily="34" charset="0"/>
+                <a:ea typeface="Calibri" panose="020F0502020204030204" pitchFamily="34" charset="0"/>
+                <a:cs typeface="Times New Roman" panose="02020603050405020304" pitchFamily="18" charset="0"/>
+              </a:rPr>
+              <a:t>, </a:t>
+            </a:r>
+            <a:r>
+              <a:rPr lang="en-US" sz="1800" dirty="0" err="1">
+                <a:effectLst/>
+                <a:latin typeface="Calibri" panose="020F0502020204030204" pitchFamily="34" charset="0"/>
+                <a:ea typeface="Calibri" panose="020F0502020204030204" pitchFamily="34" charset="0"/>
+                <a:cs typeface="Times New Roman" panose="02020603050405020304" pitchFamily="18" charset="0"/>
+              </a:rPr>
+              <a:t>DPhone</a:t>
+            </a:r>
+            <a:r>
+              <a:rPr lang="en-US" sz="1800" dirty="0">
+                <a:effectLst/>
+                <a:latin typeface="Calibri" panose="020F0502020204030204" pitchFamily="34" charset="0"/>
+                <a:ea typeface="Calibri" panose="020F0502020204030204" pitchFamily="34" charset="0"/>
+                <a:cs typeface="Times New Roman" panose="02020603050405020304" pitchFamily="18" charset="0"/>
+              </a:rPr>
+              <a:t>, </a:t>
+            </a:r>
+            <a:r>
+              <a:rPr lang="en-US" sz="1800" dirty="0" err="1">
+                <a:effectLst/>
+                <a:latin typeface="Calibri" panose="020F0502020204030204" pitchFamily="34" charset="0"/>
+                <a:ea typeface="Calibri" panose="020F0502020204030204" pitchFamily="34" charset="0"/>
+                <a:cs typeface="Times New Roman" panose="02020603050405020304" pitchFamily="18" charset="0"/>
+              </a:rPr>
+              <a:t>DAddress</a:t>
+            </a:r>
+            <a:r>
+              <a:rPr lang="en-US" sz="1800" dirty="0">
+                <a:effectLst/>
+                <a:latin typeface="Calibri" panose="020F0502020204030204" pitchFamily="34" charset="0"/>
+                <a:ea typeface="Calibri" panose="020F0502020204030204" pitchFamily="34" charset="0"/>
+                <a:cs typeface="Times New Roman" panose="02020603050405020304" pitchFamily="18" charset="0"/>
+              </a:rPr>
+              <a:t>)</a:t>
+            </a:r>
+          </a:p>
+          <a:p>
+            <a:pPr marL="0" marR="0">
+              <a:lnSpc>
+                <a:spcPct val="107000"/>
+              </a:lnSpc>
+              <a:spcBef>
+                <a:spcPts val="0"/>
+              </a:spcBef>
+              <a:spcAft>
+                <a:spcPts val="800"/>
+              </a:spcAft>
+            </a:pPr>
+            <a:r>
+              <a:rPr lang="en-US" sz="1800" dirty="0">
+                <a:effectLst/>
+                <a:latin typeface="Calibri" panose="020F0502020204030204" pitchFamily="34" charset="0"/>
+                <a:ea typeface="Calibri" panose="020F0502020204030204" pitchFamily="34" charset="0"/>
+                <a:cs typeface="Times New Roman" panose="02020603050405020304" pitchFamily="18" charset="0"/>
+              </a:rPr>
+              <a:t>Museum(</a:t>
+            </a:r>
+            <a:r>
+              <a:rPr lang="en-US" sz="1800" u="sng" dirty="0" err="1">
+                <a:effectLst/>
+                <a:latin typeface="Calibri" panose="020F0502020204030204" pitchFamily="34" charset="0"/>
+                <a:ea typeface="Calibri" panose="020F0502020204030204" pitchFamily="34" charset="0"/>
+                <a:cs typeface="Times New Roman" panose="02020603050405020304" pitchFamily="18" charset="0"/>
+              </a:rPr>
+              <a:t>MName</a:t>
+            </a:r>
+            <a:r>
+              <a:rPr lang="en-US" sz="1800" u="sng" dirty="0">
+                <a:effectLst/>
+                <a:latin typeface="Calibri" panose="020F0502020204030204" pitchFamily="34" charset="0"/>
+                <a:ea typeface="Calibri" panose="020F0502020204030204" pitchFamily="34" charset="0"/>
+                <a:cs typeface="Times New Roman" panose="02020603050405020304" pitchFamily="18" charset="0"/>
+              </a:rPr>
+              <a:t>,</a:t>
+            </a:r>
+            <a:r>
+              <a:rPr lang="en-US" sz="1800" dirty="0">
+                <a:effectLst/>
+                <a:latin typeface="Calibri" panose="020F0502020204030204" pitchFamily="34" charset="0"/>
+                <a:ea typeface="Calibri" panose="020F0502020204030204" pitchFamily="34" charset="0"/>
+                <a:cs typeface="Times New Roman" panose="02020603050405020304" pitchFamily="18" charset="0"/>
+              </a:rPr>
+              <a:t> </a:t>
+            </a:r>
+            <a:r>
+              <a:rPr lang="en-US" sz="1800" dirty="0" err="1">
+                <a:effectLst/>
+                <a:latin typeface="Calibri" panose="020F0502020204030204" pitchFamily="34" charset="0"/>
+                <a:ea typeface="Calibri" panose="020F0502020204030204" pitchFamily="34" charset="0"/>
+                <a:cs typeface="Times New Roman" panose="02020603050405020304" pitchFamily="18" charset="0"/>
+              </a:rPr>
+              <a:t>MPhone</a:t>
+            </a:r>
+            <a:r>
+              <a:rPr lang="en-US" sz="1800" dirty="0">
+                <a:effectLst/>
+                <a:latin typeface="Calibri" panose="020F0502020204030204" pitchFamily="34" charset="0"/>
+                <a:ea typeface="Calibri" panose="020F0502020204030204" pitchFamily="34" charset="0"/>
+                <a:cs typeface="Times New Roman" panose="02020603050405020304" pitchFamily="18" charset="0"/>
+              </a:rPr>
+              <a:t>, </a:t>
+            </a:r>
+            <a:r>
+              <a:rPr lang="en-US" sz="1800" dirty="0" err="1">
+                <a:effectLst/>
+                <a:latin typeface="Calibri" panose="020F0502020204030204" pitchFamily="34" charset="0"/>
+                <a:ea typeface="Calibri" panose="020F0502020204030204" pitchFamily="34" charset="0"/>
+                <a:cs typeface="Times New Roman" panose="02020603050405020304" pitchFamily="18" charset="0"/>
+              </a:rPr>
+              <a:t>MAddress</a:t>
+            </a:r>
+            <a:r>
+              <a:rPr lang="en-US" sz="1800" dirty="0">
+                <a:effectLst/>
+                <a:latin typeface="Calibri" panose="020F0502020204030204" pitchFamily="34" charset="0"/>
+                <a:ea typeface="Calibri" panose="020F0502020204030204" pitchFamily="34" charset="0"/>
+                <a:cs typeface="Times New Roman" panose="02020603050405020304" pitchFamily="18" charset="0"/>
+              </a:rPr>
+              <a:t>)</a:t>
+            </a:r>
+          </a:p>
+          <a:p>
+            <a:pPr marL="0" marR="0">
+              <a:lnSpc>
+                <a:spcPct val="107000"/>
+              </a:lnSpc>
+              <a:spcBef>
+                <a:spcPts val="0"/>
+              </a:spcBef>
+              <a:spcAft>
+                <a:spcPts val="800"/>
+              </a:spcAft>
+            </a:pPr>
+            <a:r>
+              <a:rPr lang="en-US" sz="1800" dirty="0">
+                <a:effectLst/>
+                <a:latin typeface="Calibri" panose="020F0502020204030204" pitchFamily="34" charset="0"/>
+                <a:ea typeface="Calibri" panose="020F0502020204030204" pitchFamily="34" charset="0"/>
+                <a:cs typeface="Times New Roman" panose="02020603050405020304" pitchFamily="18" charset="0"/>
+              </a:rPr>
+              <a:t>Employee(</a:t>
+            </a:r>
+            <a:r>
+              <a:rPr lang="en-US" sz="1800" u="sng" dirty="0" err="1">
+                <a:effectLst/>
+                <a:latin typeface="Calibri" panose="020F0502020204030204" pitchFamily="34" charset="0"/>
+                <a:ea typeface="Calibri" panose="020F0502020204030204" pitchFamily="34" charset="0"/>
+                <a:cs typeface="Times New Roman" panose="02020603050405020304" pitchFamily="18" charset="0"/>
+              </a:rPr>
+              <a:t>EName</a:t>
+            </a:r>
+            <a:r>
+              <a:rPr lang="en-US" sz="1800" u="sng" dirty="0">
+                <a:effectLst/>
+                <a:latin typeface="Calibri" panose="020F0502020204030204" pitchFamily="34" charset="0"/>
+                <a:ea typeface="Calibri" panose="020F0502020204030204" pitchFamily="34" charset="0"/>
+                <a:cs typeface="Times New Roman" panose="02020603050405020304" pitchFamily="18" charset="0"/>
+              </a:rPr>
+              <a:t>,</a:t>
+            </a:r>
+            <a:r>
+              <a:rPr lang="en-US" sz="1800" dirty="0">
+                <a:effectLst/>
+                <a:latin typeface="Calibri" panose="020F0502020204030204" pitchFamily="34" charset="0"/>
+                <a:ea typeface="Calibri" panose="020F0502020204030204" pitchFamily="34" charset="0"/>
+                <a:cs typeface="Times New Roman" panose="02020603050405020304" pitchFamily="18" charset="0"/>
+              </a:rPr>
+              <a:t> </a:t>
+            </a:r>
+            <a:r>
+              <a:rPr lang="en-US" sz="1800" dirty="0" err="1">
+                <a:effectLst/>
+                <a:latin typeface="Calibri" panose="020F0502020204030204" pitchFamily="34" charset="0"/>
+                <a:ea typeface="Calibri" panose="020F0502020204030204" pitchFamily="34" charset="0"/>
+                <a:cs typeface="Times New Roman" panose="02020603050405020304" pitchFamily="18" charset="0"/>
+              </a:rPr>
+              <a:t>EPhone</a:t>
+            </a:r>
+            <a:r>
+              <a:rPr lang="en-US" sz="1800" dirty="0">
+                <a:effectLst/>
+                <a:latin typeface="Calibri" panose="020F0502020204030204" pitchFamily="34" charset="0"/>
+                <a:ea typeface="Calibri" panose="020F0502020204030204" pitchFamily="34" charset="0"/>
+                <a:cs typeface="Times New Roman" panose="02020603050405020304" pitchFamily="18" charset="0"/>
+              </a:rPr>
+              <a:t>, </a:t>
+            </a:r>
+            <a:r>
+              <a:rPr lang="en-US" sz="1800" dirty="0" err="1">
+                <a:effectLst/>
+                <a:latin typeface="Calibri" panose="020F0502020204030204" pitchFamily="34" charset="0"/>
+                <a:ea typeface="Calibri" panose="020F0502020204030204" pitchFamily="34" charset="0"/>
+                <a:cs typeface="Times New Roman" panose="02020603050405020304" pitchFamily="18" charset="0"/>
+              </a:rPr>
+              <a:t>EAddress</a:t>
+            </a:r>
+            <a:r>
+              <a:rPr lang="en-US" sz="1800" dirty="0">
+                <a:effectLst/>
+                <a:latin typeface="Calibri" panose="020F0502020204030204" pitchFamily="34" charset="0"/>
+                <a:ea typeface="Calibri" panose="020F0502020204030204" pitchFamily="34" charset="0"/>
+                <a:cs typeface="Times New Roman" panose="02020603050405020304" pitchFamily="18" charset="0"/>
+              </a:rPr>
+              <a:t>, </a:t>
+            </a:r>
+            <a:r>
+              <a:rPr lang="en-US" sz="1800" dirty="0" err="1">
+                <a:effectLst/>
+                <a:latin typeface="Calibri" panose="020F0502020204030204" pitchFamily="34" charset="0"/>
+                <a:ea typeface="Calibri" panose="020F0502020204030204" pitchFamily="34" charset="0"/>
+                <a:cs typeface="Times New Roman" panose="02020603050405020304" pitchFamily="18" charset="0"/>
+              </a:rPr>
+              <a:t>ESpecialty</a:t>
+            </a:r>
+            <a:r>
+              <a:rPr lang="en-US" sz="1800" dirty="0">
+                <a:effectLst/>
+                <a:latin typeface="Calibri" panose="020F0502020204030204" pitchFamily="34" charset="0"/>
+                <a:ea typeface="Calibri" panose="020F0502020204030204" pitchFamily="34" charset="0"/>
+                <a:cs typeface="Times New Roman" panose="02020603050405020304" pitchFamily="18" charset="0"/>
+              </a:rPr>
+              <a:t>)</a:t>
+            </a:r>
+          </a:p>
+          <a:p>
+            <a:pPr marL="0" marR="0">
+              <a:lnSpc>
+                <a:spcPct val="107000"/>
+              </a:lnSpc>
+              <a:spcBef>
+                <a:spcPts val="0"/>
+              </a:spcBef>
+              <a:spcAft>
+                <a:spcPts val="800"/>
+              </a:spcAft>
+            </a:pPr>
+            <a:r>
+              <a:rPr lang="en-US" sz="1800" dirty="0">
+                <a:effectLst/>
+                <a:latin typeface="Calibri" panose="020F0502020204030204" pitchFamily="34" charset="0"/>
+                <a:ea typeface="Calibri" panose="020F0502020204030204" pitchFamily="34" charset="0"/>
+                <a:cs typeface="Times New Roman" panose="02020603050405020304" pitchFamily="18" charset="0"/>
+              </a:rPr>
+              <a:t>Volunteer(</a:t>
+            </a:r>
+            <a:r>
+              <a:rPr lang="en-US" sz="1800" u="sng" dirty="0" err="1">
+                <a:effectLst/>
+                <a:latin typeface="Calibri" panose="020F0502020204030204" pitchFamily="34" charset="0"/>
+                <a:ea typeface="Calibri" panose="020F0502020204030204" pitchFamily="34" charset="0"/>
+                <a:cs typeface="Times New Roman" panose="02020603050405020304" pitchFamily="18" charset="0"/>
+              </a:rPr>
+              <a:t>VName</a:t>
+            </a:r>
+            <a:r>
+              <a:rPr lang="en-US" sz="1800" dirty="0">
+                <a:effectLst/>
+                <a:latin typeface="Calibri" panose="020F0502020204030204" pitchFamily="34" charset="0"/>
+                <a:ea typeface="Calibri" panose="020F0502020204030204" pitchFamily="34" charset="0"/>
+                <a:cs typeface="Times New Roman" panose="02020603050405020304" pitchFamily="18" charset="0"/>
+              </a:rPr>
+              <a:t>, </a:t>
+            </a:r>
+            <a:r>
+              <a:rPr lang="en-US" sz="1800" dirty="0" err="1">
+                <a:effectLst/>
+                <a:latin typeface="Calibri" panose="020F0502020204030204" pitchFamily="34" charset="0"/>
+                <a:ea typeface="Calibri" panose="020F0502020204030204" pitchFamily="34" charset="0"/>
+                <a:cs typeface="Times New Roman" panose="02020603050405020304" pitchFamily="18" charset="0"/>
+              </a:rPr>
+              <a:t>VPhone</a:t>
+            </a:r>
+            <a:r>
+              <a:rPr lang="en-US" sz="1800" dirty="0">
+                <a:effectLst/>
+                <a:latin typeface="Calibri" panose="020F0502020204030204" pitchFamily="34" charset="0"/>
+                <a:ea typeface="Calibri" panose="020F0502020204030204" pitchFamily="34" charset="0"/>
+                <a:cs typeface="Times New Roman" panose="02020603050405020304" pitchFamily="18" charset="0"/>
+              </a:rPr>
+              <a:t>)</a:t>
+            </a:r>
+          </a:p>
+          <a:p>
+            <a:pPr marL="0" marR="0">
+              <a:lnSpc>
+                <a:spcPct val="107000"/>
+              </a:lnSpc>
+              <a:spcBef>
+                <a:spcPts val="0"/>
+              </a:spcBef>
+              <a:spcAft>
+                <a:spcPts val="800"/>
+              </a:spcAft>
+            </a:pPr>
+            <a:r>
+              <a:rPr lang="en-US" sz="1800" dirty="0">
+                <a:effectLst/>
+                <a:latin typeface="Calibri" panose="020F0502020204030204" pitchFamily="34" charset="0"/>
+                <a:ea typeface="Calibri" panose="020F0502020204030204" pitchFamily="34" charset="0"/>
+                <a:cs typeface="Times New Roman" panose="02020603050405020304" pitchFamily="18" charset="0"/>
+              </a:rPr>
+              <a:t>Appraiser(</a:t>
+            </a:r>
+            <a:r>
+              <a:rPr lang="en-US" sz="1800" u="sng" dirty="0" err="1">
+                <a:effectLst/>
+                <a:latin typeface="Calibri" panose="020F0502020204030204" pitchFamily="34" charset="0"/>
+                <a:ea typeface="Calibri" panose="020F0502020204030204" pitchFamily="34" charset="0"/>
+                <a:cs typeface="Times New Roman" panose="02020603050405020304" pitchFamily="18" charset="0"/>
+              </a:rPr>
+              <a:t>AName</a:t>
+            </a:r>
+            <a:r>
+              <a:rPr lang="en-US" sz="1800" dirty="0">
+                <a:effectLst/>
+                <a:latin typeface="Calibri" panose="020F0502020204030204" pitchFamily="34" charset="0"/>
+                <a:ea typeface="Calibri" panose="020F0502020204030204" pitchFamily="34" charset="0"/>
+                <a:cs typeface="Times New Roman" panose="02020603050405020304" pitchFamily="18" charset="0"/>
+              </a:rPr>
+              <a:t>, </a:t>
+            </a:r>
+            <a:r>
+              <a:rPr lang="en-US" sz="1800" dirty="0" err="1">
+                <a:effectLst/>
+                <a:latin typeface="Calibri" panose="020F0502020204030204" pitchFamily="34" charset="0"/>
+                <a:ea typeface="Calibri" panose="020F0502020204030204" pitchFamily="34" charset="0"/>
+                <a:cs typeface="Times New Roman" panose="02020603050405020304" pitchFamily="18" charset="0"/>
+              </a:rPr>
+              <a:t>APhone</a:t>
+            </a:r>
+            <a:r>
+              <a:rPr lang="en-US" sz="1800" dirty="0">
+                <a:effectLst/>
+                <a:latin typeface="Calibri" panose="020F0502020204030204" pitchFamily="34" charset="0"/>
+                <a:ea typeface="Calibri" panose="020F0502020204030204" pitchFamily="34" charset="0"/>
+                <a:cs typeface="Times New Roman" panose="02020603050405020304" pitchFamily="18" charset="0"/>
+              </a:rPr>
+              <a:t>, </a:t>
+            </a:r>
+            <a:r>
+              <a:rPr lang="en-US" sz="1800" dirty="0" err="1">
+                <a:effectLst/>
+                <a:latin typeface="Calibri" panose="020F0502020204030204" pitchFamily="34" charset="0"/>
+                <a:ea typeface="Calibri" panose="020F0502020204030204" pitchFamily="34" charset="0"/>
+                <a:cs typeface="Times New Roman" panose="02020603050405020304" pitchFamily="18" charset="0"/>
+              </a:rPr>
+              <a:t>ASpecialty</a:t>
+            </a:r>
+            <a:r>
+              <a:rPr lang="en-US" sz="1800" dirty="0">
+                <a:effectLst/>
+                <a:latin typeface="Calibri" panose="020F0502020204030204" pitchFamily="34" charset="0"/>
+                <a:ea typeface="Calibri" panose="020F0502020204030204" pitchFamily="34" charset="0"/>
+                <a:cs typeface="Times New Roman" panose="02020603050405020304" pitchFamily="18" charset="0"/>
+              </a:rPr>
+              <a:t>)</a:t>
+            </a:r>
+          </a:p>
+          <a:p>
+            <a:pPr marL="0" marR="0">
+              <a:lnSpc>
+                <a:spcPct val="107000"/>
+              </a:lnSpc>
+              <a:spcBef>
+                <a:spcPts val="0"/>
+              </a:spcBef>
+              <a:spcAft>
+                <a:spcPts val="800"/>
+              </a:spcAft>
+            </a:pPr>
+            <a:r>
+              <a:rPr lang="en-US" sz="1800" dirty="0">
+                <a:effectLst/>
+                <a:latin typeface="Calibri" panose="020F0502020204030204" pitchFamily="34" charset="0"/>
+                <a:ea typeface="Calibri" panose="020F0502020204030204" pitchFamily="34" charset="0"/>
+                <a:cs typeface="Times New Roman" panose="02020603050405020304" pitchFamily="18" charset="0"/>
+              </a:rPr>
+              <a:t>Exhibit(</a:t>
+            </a:r>
+            <a:r>
+              <a:rPr lang="en-US" sz="1800" u="sng" dirty="0" err="1">
+                <a:effectLst/>
+                <a:latin typeface="Calibri" panose="020F0502020204030204" pitchFamily="34" charset="0"/>
+                <a:ea typeface="Calibri" panose="020F0502020204030204" pitchFamily="34" charset="0"/>
+                <a:cs typeface="Times New Roman" panose="02020603050405020304" pitchFamily="18" charset="0"/>
+              </a:rPr>
+              <a:t>XName</a:t>
+            </a:r>
+            <a:r>
+              <a:rPr lang="en-US" sz="1800" u="sng" dirty="0">
+                <a:effectLst/>
+                <a:latin typeface="Calibri" panose="020F0502020204030204" pitchFamily="34" charset="0"/>
+                <a:ea typeface="Calibri" panose="020F0502020204030204" pitchFamily="34" charset="0"/>
+                <a:cs typeface="Times New Roman" panose="02020603050405020304" pitchFamily="18" charset="0"/>
+              </a:rPr>
+              <a:t>,</a:t>
+            </a:r>
+            <a:r>
+              <a:rPr lang="en-US" sz="1800" dirty="0">
+                <a:effectLst/>
+                <a:latin typeface="Calibri" panose="020F0502020204030204" pitchFamily="34" charset="0"/>
+                <a:ea typeface="Calibri" panose="020F0502020204030204" pitchFamily="34" charset="0"/>
+                <a:cs typeface="Times New Roman" panose="02020603050405020304" pitchFamily="18" charset="0"/>
+              </a:rPr>
+              <a:t> </a:t>
+            </a:r>
+            <a:r>
+              <a:rPr lang="en-US" sz="1800" dirty="0" err="1">
+                <a:effectLst/>
+                <a:latin typeface="Calibri" panose="020F0502020204030204" pitchFamily="34" charset="0"/>
+                <a:ea typeface="Calibri" panose="020F0502020204030204" pitchFamily="34" charset="0"/>
+                <a:cs typeface="Times New Roman" panose="02020603050405020304" pitchFamily="18" charset="0"/>
+              </a:rPr>
+              <a:t>XStart</a:t>
+            </a:r>
+            <a:r>
+              <a:rPr lang="en-US" sz="1800" dirty="0">
+                <a:effectLst/>
+                <a:latin typeface="Calibri" panose="020F0502020204030204" pitchFamily="34" charset="0"/>
+                <a:ea typeface="Calibri" panose="020F0502020204030204" pitchFamily="34" charset="0"/>
+                <a:cs typeface="Times New Roman" panose="02020603050405020304" pitchFamily="18" charset="0"/>
+              </a:rPr>
+              <a:t>, </a:t>
+            </a:r>
+            <a:r>
+              <a:rPr lang="en-US" sz="1800" dirty="0" err="1">
+                <a:effectLst/>
+                <a:latin typeface="Calibri" panose="020F0502020204030204" pitchFamily="34" charset="0"/>
+                <a:ea typeface="Calibri" panose="020F0502020204030204" pitchFamily="34" charset="0"/>
+                <a:cs typeface="Times New Roman" panose="02020603050405020304" pitchFamily="18" charset="0"/>
+              </a:rPr>
+              <a:t>XEnd</a:t>
+            </a:r>
+            <a:r>
+              <a:rPr lang="en-US" sz="1800" dirty="0">
+                <a:effectLst/>
+                <a:latin typeface="Calibri" panose="020F0502020204030204" pitchFamily="34" charset="0"/>
+                <a:ea typeface="Calibri" panose="020F0502020204030204" pitchFamily="34" charset="0"/>
+                <a:cs typeface="Times New Roman" panose="02020603050405020304" pitchFamily="18" charset="0"/>
+              </a:rPr>
+              <a:t>, </a:t>
+            </a:r>
+            <a:r>
+              <a:rPr lang="en-US" sz="1800" dirty="0" err="1">
+                <a:effectLst/>
+                <a:latin typeface="Calibri" panose="020F0502020204030204" pitchFamily="34" charset="0"/>
+                <a:ea typeface="Calibri" panose="020F0502020204030204" pitchFamily="34" charset="0"/>
+                <a:cs typeface="Times New Roman" panose="02020603050405020304" pitchFamily="18" charset="0"/>
+              </a:rPr>
+              <a:t>XLocation</a:t>
+            </a:r>
+            <a:r>
+              <a:rPr lang="en-US" sz="1800" dirty="0">
+                <a:effectLst/>
+                <a:latin typeface="Calibri" panose="020F0502020204030204" pitchFamily="34" charset="0"/>
+                <a:ea typeface="Calibri" panose="020F0502020204030204" pitchFamily="34" charset="0"/>
+                <a:cs typeface="Times New Roman" panose="02020603050405020304" pitchFamily="18" charset="0"/>
+              </a:rPr>
+              <a:t>)</a:t>
+            </a:r>
+          </a:p>
+          <a:p>
+            <a:pPr marL="0" marR="0">
+              <a:lnSpc>
+                <a:spcPct val="107000"/>
+              </a:lnSpc>
+              <a:spcBef>
+                <a:spcPts val="0"/>
+              </a:spcBef>
+              <a:spcAft>
+                <a:spcPts val="800"/>
+              </a:spcAft>
+            </a:pPr>
+            <a:r>
+              <a:rPr lang="en-US" sz="1800" dirty="0">
+                <a:effectLst/>
+                <a:latin typeface="Calibri" panose="020F0502020204030204" pitchFamily="34" charset="0"/>
+                <a:ea typeface="Calibri" panose="020F0502020204030204" pitchFamily="34" charset="0"/>
+                <a:cs typeface="Times New Roman" panose="02020603050405020304" pitchFamily="18" charset="0"/>
+              </a:rPr>
+              <a:t>Item(</a:t>
+            </a:r>
+            <a:r>
+              <a:rPr lang="en-US" sz="1800" u="sng" dirty="0">
+                <a:effectLst/>
+                <a:latin typeface="Calibri" panose="020F0502020204030204" pitchFamily="34" charset="0"/>
+                <a:ea typeface="Calibri" panose="020F0502020204030204" pitchFamily="34" charset="0"/>
+                <a:cs typeface="Times New Roman" panose="02020603050405020304" pitchFamily="18" charset="0"/>
+              </a:rPr>
+              <a:t>IID</a:t>
+            </a:r>
+            <a:r>
+              <a:rPr lang="en-US" sz="1800" dirty="0">
+                <a:effectLst/>
+                <a:latin typeface="Calibri" panose="020F0502020204030204" pitchFamily="34" charset="0"/>
+                <a:ea typeface="Calibri" panose="020F0502020204030204" pitchFamily="34" charset="0"/>
+                <a:cs typeface="Times New Roman" panose="02020603050405020304" pitchFamily="18" charset="0"/>
+              </a:rPr>
+              <a:t>, </a:t>
+            </a:r>
+            <a:r>
+              <a:rPr lang="en-US" sz="1800" dirty="0" err="1">
+                <a:effectLst/>
+                <a:latin typeface="Calibri" panose="020F0502020204030204" pitchFamily="34" charset="0"/>
+                <a:ea typeface="Calibri" panose="020F0502020204030204" pitchFamily="34" charset="0"/>
+                <a:cs typeface="Times New Roman" panose="02020603050405020304" pitchFamily="18" charset="0"/>
+              </a:rPr>
+              <a:t>IName</a:t>
+            </a:r>
+            <a:r>
+              <a:rPr lang="en-US" sz="1800" dirty="0">
+                <a:effectLst/>
+                <a:latin typeface="Calibri" panose="020F0502020204030204" pitchFamily="34" charset="0"/>
+                <a:ea typeface="Calibri" panose="020F0502020204030204" pitchFamily="34" charset="0"/>
+                <a:cs typeface="Times New Roman" panose="02020603050405020304" pitchFamily="18" charset="0"/>
+              </a:rPr>
+              <a:t>, </a:t>
+            </a:r>
+            <a:r>
+              <a:rPr lang="en-US" sz="1800" dirty="0" err="1">
+                <a:effectLst/>
+                <a:latin typeface="Calibri" panose="020F0502020204030204" pitchFamily="34" charset="0"/>
+                <a:ea typeface="Calibri" panose="020F0502020204030204" pitchFamily="34" charset="0"/>
+                <a:cs typeface="Times New Roman" panose="02020603050405020304" pitchFamily="18" charset="0"/>
+              </a:rPr>
+              <a:t>ICondition</a:t>
+            </a:r>
+            <a:r>
+              <a:rPr lang="en-US" sz="1800" dirty="0">
+                <a:effectLst/>
+                <a:latin typeface="Calibri" panose="020F0502020204030204" pitchFamily="34" charset="0"/>
+                <a:ea typeface="Calibri" panose="020F0502020204030204" pitchFamily="34" charset="0"/>
+                <a:cs typeface="Times New Roman" panose="02020603050405020304" pitchFamily="18" charset="0"/>
+              </a:rPr>
+              <a:t>, </a:t>
+            </a:r>
+            <a:r>
+              <a:rPr lang="en-US" sz="1800" i="1" dirty="0" err="1">
+                <a:effectLst/>
+                <a:latin typeface="Calibri" panose="020F0502020204030204" pitchFamily="34" charset="0"/>
+                <a:ea typeface="Calibri" panose="020F0502020204030204" pitchFamily="34" charset="0"/>
+                <a:cs typeface="Times New Roman" panose="02020603050405020304" pitchFamily="18" charset="0"/>
+              </a:rPr>
+              <a:t>DName</a:t>
+            </a:r>
+            <a:r>
+              <a:rPr lang="en-US" sz="1800" i="1" dirty="0">
+                <a:effectLst/>
+                <a:latin typeface="Calibri" panose="020F0502020204030204" pitchFamily="34" charset="0"/>
+                <a:ea typeface="Calibri" panose="020F0502020204030204" pitchFamily="34" charset="0"/>
+                <a:cs typeface="Times New Roman" panose="02020603050405020304" pitchFamily="18" charset="0"/>
+              </a:rPr>
+              <a:t>, </a:t>
+            </a:r>
+            <a:r>
+              <a:rPr lang="en-US" sz="1800" i="1" dirty="0" err="1">
+                <a:effectLst/>
+                <a:latin typeface="Calibri" panose="020F0502020204030204" pitchFamily="34" charset="0"/>
+                <a:ea typeface="Calibri" panose="020F0502020204030204" pitchFamily="34" charset="0"/>
+                <a:cs typeface="Times New Roman" panose="02020603050405020304" pitchFamily="18" charset="0"/>
+              </a:rPr>
+              <a:t>AName</a:t>
+            </a:r>
+            <a:r>
+              <a:rPr lang="en-US" sz="1800" i="1" dirty="0">
+                <a:effectLst/>
+                <a:latin typeface="Calibri" panose="020F0502020204030204" pitchFamily="34" charset="0"/>
+                <a:ea typeface="Calibri" panose="020F0502020204030204" pitchFamily="34" charset="0"/>
+                <a:cs typeface="Times New Roman" panose="02020603050405020304" pitchFamily="18" charset="0"/>
+              </a:rPr>
+              <a:t>, </a:t>
+            </a:r>
+            <a:r>
+              <a:rPr lang="en-US" sz="1800" i="1" dirty="0" err="1">
+                <a:effectLst/>
+                <a:latin typeface="Calibri" panose="020F0502020204030204" pitchFamily="34" charset="0"/>
+                <a:ea typeface="Calibri" panose="020F0502020204030204" pitchFamily="34" charset="0"/>
+                <a:cs typeface="Times New Roman" panose="02020603050405020304" pitchFamily="18" charset="0"/>
+              </a:rPr>
+              <a:t>XName</a:t>
+            </a:r>
+            <a:r>
+              <a:rPr lang="en-US" sz="1800" i="1" dirty="0">
+                <a:effectLst/>
+                <a:latin typeface="Calibri" panose="020F0502020204030204" pitchFamily="34" charset="0"/>
+                <a:ea typeface="Calibri" panose="020F0502020204030204" pitchFamily="34" charset="0"/>
+                <a:cs typeface="Times New Roman" panose="02020603050405020304" pitchFamily="18" charset="0"/>
+              </a:rPr>
+              <a:t>, </a:t>
+            </a:r>
+            <a:r>
+              <a:rPr lang="en-US" sz="1800" dirty="0" err="1">
+                <a:effectLst/>
+                <a:latin typeface="Calibri" panose="020F0502020204030204" pitchFamily="34" charset="0"/>
+                <a:ea typeface="Calibri" panose="020F0502020204030204" pitchFamily="34" charset="0"/>
+                <a:cs typeface="Times New Roman" panose="02020603050405020304" pitchFamily="18" charset="0"/>
+              </a:rPr>
+              <a:t>IComments</a:t>
+            </a:r>
+            <a:r>
+              <a:rPr lang="en-US" sz="1800" dirty="0">
+                <a:effectLst/>
+                <a:latin typeface="Calibri" panose="020F0502020204030204" pitchFamily="34" charset="0"/>
+                <a:ea typeface="Calibri" panose="020F0502020204030204" pitchFamily="34" charset="0"/>
+                <a:cs typeface="Times New Roman" panose="02020603050405020304" pitchFamily="18" charset="0"/>
+              </a:rPr>
+              <a:t>, </a:t>
+            </a:r>
+            <a:r>
+              <a:rPr lang="en-US" sz="1800" dirty="0" err="1">
+                <a:effectLst/>
+                <a:latin typeface="Calibri" panose="020F0502020204030204" pitchFamily="34" charset="0"/>
+                <a:ea typeface="Calibri" panose="020F0502020204030204" pitchFamily="34" charset="0"/>
+                <a:cs typeface="Times New Roman" panose="02020603050405020304" pitchFamily="18" charset="0"/>
+              </a:rPr>
+              <a:t>IDimensions</a:t>
+            </a:r>
+            <a:r>
+              <a:rPr lang="en-US" sz="1800" dirty="0">
+                <a:effectLst/>
+                <a:latin typeface="Calibri" panose="020F0502020204030204" pitchFamily="34" charset="0"/>
+                <a:ea typeface="Calibri" panose="020F0502020204030204" pitchFamily="34" charset="0"/>
+                <a:cs typeface="Times New Roman" panose="02020603050405020304" pitchFamily="18" charset="0"/>
+              </a:rPr>
+              <a:t>, </a:t>
+            </a:r>
+            <a:r>
+              <a:rPr lang="en-US" sz="1800" dirty="0" err="1">
+                <a:effectLst/>
+                <a:latin typeface="Calibri" panose="020F0502020204030204" pitchFamily="34" charset="0"/>
+                <a:ea typeface="Calibri" panose="020F0502020204030204" pitchFamily="34" charset="0"/>
+                <a:cs typeface="Times New Roman" panose="02020603050405020304" pitchFamily="18" charset="0"/>
+              </a:rPr>
+              <a:t>ILocation</a:t>
+            </a:r>
+            <a:r>
+              <a:rPr lang="en-US" sz="1800" dirty="0">
+                <a:effectLst/>
+                <a:latin typeface="Calibri" panose="020F0502020204030204" pitchFamily="34" charset="0"/>
+                <a:ea typeface="Calibri" panose="020F0502020204030204" pitchFamily="34" charset="0"/>
+                <a:cs typeface="Times New Roman" panose="02020603050405020304" pitchFamily="18" charset="0"/>
+              </a:rPr>
+              <a:t>, </a:t>
+            </a:r>
+            <a:r>
+              <a:rPr lang="en-US" sz="1800" dirty="0" err="1">
+                <a:effectLst/>
+                <a:latin typeface="Calibri" panose="020F0502020204030204" pitchFamily="34" charset="0"/>
+                <a:ea typeface="Calibri" panose="020F0502020204030204" pitchFamily="34" charset="0"/>
+                <a:cs typeface="Times New Roman" panose="02020603050405020304" pitchFamily="18" charset="0"/>
+              </a:rPr>
+              <a:t>ITimeperoid</a:t>
+            </a:r>
+            <a:r>
+              <a:rPr lang="en-US" sz="1800" dirty="0">
+                <a:effectLst/>
+                <a:latin typeface="Calibri" panose="020F0502020204030204" pitchFamily="34" charset="0"/>
+                <a:ea typeface="Calibri" panose="020F0502020204030204" pitchFamily="34" charset="0"/>
+                <a:cs typeface="Times New Roman" panose="02020603050405020304" pitchFamily="18" charset="0"/>
+              </a:rPr>
+              <a:t>, </a:t>
+            </a:r>
+            <a:r>
+              <a:rPr lang="en-US" sz="1800" dirty="0" err="1">
+                <a:effectLst/>
+                <a:latin typeface="Calibri" panose="020F0502020204030204" pitchFamily="34" charset="0"/>
+                <a:ea typeface="Calibri" panose="020F0502020204030204" pitchFamily="34" charset="0"/>
+                <a:cs typeface="Times New Roman" panose="02020603050405020304" pitchFamily="18" charset="0"/>
+              </a:rPr>
+              <a:t>IValue</a:t>
+            </a:r>
+            <a:r>
+              <a:rPr lang="en-US" sz="1800" dirty="0">
+                <a:effectLst/>
+                <a:latin typeface="Calibri" panose="020F0502020204030204" pitchFamily="34" charset="0"/>
+                <a:ea typeface="Calibri" panose="020F0502020204030204" pitchFamily="34" charset="0"/>
+                <a:cs typeface="Times New Roman" panose="02020603050405020304" pitchFamily="18" charset="0"/>
+              </a:rPr>
+              <a:t>)</a:t>
+            </a:r>
+          </a:p>
+          <a:p>
+            <a:endParaRPr lang="en-US" dirty="0"/>
           </a:p>
         </p:txBody>
       </p:sp>
     </p:spTree>
     <p:extLst>
       <p:ext uri="{BB962C8B-B14F-4D97-AF65-F5344CB8AC3E}">
-        <p14:creationId xmlns:p14="http://schemas.microsoft.com/office/powerpoint/2010/main" val="3103684653"/>
+        <p14:creationId xmlns:p14="http://schemas.microsoft.com/office/powerpoint/2010/main" val="329252556"/>
       </p:ext>
     </p:extLst>
   </p:cSld>
   <p:clrMapOvr>
     <a:masterClrMapping/>
   </p:clrMapOvr>
+  <mc:AlternateContent xmlns:mc="http://schemas.openxmlformats.org/markup-compatibility/2006" xmlns:p15="http://schemas.microsoft.com/office/powerpoint/2012/main">
+    <mc:Choice Requires="p15">
+      <p:transition xmlns:p14="http://schemas.microsoft.com/office/powerpoint/2010/main" spd="slow" p14:dur="1250">
+        <p15:prstTrans prst="pageCurlDouble"/>
+      </p:transition>
+    </mc:Choice>
+    <mc:Fallback xmlns="">
+      <p:transition spd="slow">
+        <p:fade/>
+      </p:transition>
+    </mc:Fallback>
+  </mc:AlternateContent>
 </p:sld>
 </file>
 
@@ -4867,7 +5103,7 @@
           <p:cNvPr id="2" name="Title 1">
             <a:extLst>
               <a:ext uri="{FF2B5EF4-FFF2-40B4-BE49-F238E27FC236}">
-                <a16:creationId xmlns:a16="http://schemas.microsoft.com/office/drawing/2014/main" id="{8D59E316-9339-4DAA-BB9F-9B7110A4789C}"/>
+                <a16:creationId xmlns:a16="http://schemas.microsoft.com/office/drawing/2014/main" id="{97BB5F64-390D-4BE9-9B98-12B48E3D0E99}"/>
               </a:ext>
             </a:extLst>
           </p:cNvPr>
@@ -4885,7 +5121,7 @@
           <a:p>
             <a:r>
               <a:rPr lang="en-US" dirty="0"/>
-              <a:t>DML</a:t>
+              <a:t>DDL</a:t>
             </a:r>
           </a:p>
         </p:txBody>
@@ -4895,7 +5131,7 @@
           <p:cNvPr id="3" name="Content Placeholder 2">
             <a:extLst>
               <a:ext uri="{FF2B5EF4-FFF2-40B4-BE49-F238E27FC236}">
-                <a16:creationId xmlns:a16="http://schemas.microsoft.com/office/drawing/2014/main" id="{51E15234-F980-4A9F-8356-0503FB788C0A}"/>
+                <a16:creationId xmlns:a16="http://schemas.microsoft.com/office/drawing/2014/main" id="{18E40C67-6249-49AF-BA0F-6EFE0A9D4EAA}"/>
               </a:ext>
             </a:extLst>
           </p:cNvPr>
@@ -4911,20 +5147,35 @@
           <a:bodyPr/>
           <a:lstStyle/>
           <a:p>
-            <a:endParaRPr lang="en-US"/>
+            <a:r>
+              <a:rPr lang="en-US" dirty="0"/>
+              <a:t>Made the tables via SQL a data upload mentioned in a latter slide</a:t>
+            </a:r>
           </a:p>
         </p:txBody>
       </p:sp>
     </p:spTree>
     <p:extLst>
       <p:ext uri="{BB962C8B-B14F-4D97-AF65-F5344CB8AC3E}">
-        <p14:creationId xmlns:p14="http://schemas.microsoft.com/office/powerpoint/2010/main" val="224092352"/>
+        <p14:creationId xmlns:p14="http://schemas.microsoft.com/office/powerpoint/2010/main" val="3103684653"/>
       </p:ext>
     </p:extLst>
   </p:cSld>
   <p:clrMapOvr>
     <a:masterClrMapping/>
   </p:clrMapOvr>
+  <mc:AlternateContent xmlns:mc="http://schemas.openxmlformats.org/markup-compatibility/2006" xmlns:p14="http://schemas.microsoft.com/office/powerpoint/2010/main">
+    <mc:Choice Requires="p14">
+      <p:transition spd="slow" p14:dur="3000">
+        <p14:shred/>
+      </p:transition>
+    </mc:Choice>
+    <mc:Fallback xmlns="">
+      <p:transition spd="slow">
+        <p:fade/>
+      </p:transition>
+    </mc:Fallback>
+  </mc:AlternateContent>
 </p:sld>
 </file>
 
@@ -4950,7 +5201,7 @@
           <p:cNvPr id="2" name="Title 1">
             <a:extLst>
               <a:ext uri="{FF2B5EF4-FFF2-40B4-BE49-F238E27FC236}">
-                <a16:creationId xmlns:a16="http://schemas.microsoft.com/office/drawing/2014/main" id="{C8E00074-A851-4F70-A085-31E9469EDD32}"/>
+                <a16:creationId xmlns:a16="http://schemas.microsoft.com/office/drawing/2014/main" id="{8D59E316-9339-4DAA-BB9F-9B7110A4789C}"/>
               </a:ext>
             </a:extLst>
           </p:cNvPr>
@@ -4968,7 +5219,7 @@
           <a:p>
             <a:r>
               <a:rPr lang="en-US" dirty="0"/>
-              <a:t>Queries, PL/SQL and view</a:t>
+              <a:t>DML</a:t>
             </a:r>
           </a:p>
         </p:txBody>
@@ -4978,7 +5229,7 @@
           <p:cNvPr id="3" name="Content Placeholder 2">
             <a:extLst>
               <a:ext uri="{FF2B5EF4-FFF2-40B4-BE49-F238E27FC236}">
-                <a16:creationId xmlns:a16="http://schemas.microsoft.com/office/drawing/2014/main" id="{E622B1AB-DE1B-4B34-97CA-9C7276FD923B}"/>
+                <a16:creationId xmlns:a16="http://schemas.microsoft.com/office/drawing/2014/main" id="{51E15234-F980-4A9F-8356-0503FB788C0A}"/>
               </a:ext>
             </a:extLst>
           </p:cNvPr>
@@ -4994,20 +5245,41 @@
           <a:bodyPr/>
           <a:lstStyle/>
           <a:p>
-            <a:endParaRPr lang="en-US"/>
+            <a:r>
+              <a:rPr lang="en-US" dirty="0"/>
+              <a:t>Wrote a code to transfer the information in to the SQL program.</a:t>
+            </a:r>
+          </a:p>
+          <a:p>
+            <a:r>
+              <a:rPr lang="en-US" dirty="0"/>
+              <a:t>About 2000 entry's </a:t>
+            </a:r>
           </a:p>
         </p:txBody>
       </p:sp>
     </p:spTree>
     <p:extLst>
       <p:ext uri="{BB962C8B-B14F-4D97-AF65-F5344CB8AC3E}">
-        <p14:creationId xmlns:p14="http://schemas.microsoft.com/office/powerpoint/2010/main" val="41802767"/>
+        <p14:creationId xmlns:p14="http://schemas.microsoft.com/office/powerpoint/2010/main" val="224092352"/>
       </p:ext>
     </p:extLst>
   </p:cSld>
   <p:clrMapOvr>
     <a:masterClrMapping/>
   </p:clrMapOvr>
+  <mc:AlternateContent xmlns:mc="http://schemas.openxmlformats.org/markup-compatibility/2006" xmlns:p14="http://schemas.microsoft.com/office/powerpoint/2010/main">
+    <mc:Choice Requires="p14">
+      <p:transition spd="slow" p14:dur="2500">
+        <p:checker/>
+      </p:transition>
+    </mc:Choice>
+    <mc:Fallback xmlns="">
+      <p:transition spd="slow">
+        <p:checker/>
+      </p:transition>
+    </mc:Fallback>
+  </mc:AlternateContent>
 </p:sld>
 </file>
 
@@ -5033,7 +5305,7 @@
           <p:cNvPr id="2" name="Title 1">
             <a:extLst>
               <a:ext uri="{FF2B5EF4-FFF2-40B4-BE49-F238E27FC236}">
-                <a16:creationId xmlns:a16="http://schemas.microsoft.com/office/drawing/2014/main" id="{9FAA542D-22A2-4DD9-89E3-6334243EB251}"/>
+                <a16:creationId xmlns:a16="http://schemas.microsoft.com/office/drawing/2014/main" id="{C8E00074-A851-4F70-A085-31E9469EDD32}"/>
               </a:ext>
             </a:extLst>
           </p:cNvPr>
@@ -5051,13 +5323,8 @@
           <a:p>
             <a:r>
               <a:rPr lang="en-US" dirty="0"/>
-              <a:t>Best </a:t>
-            </a:r>
-            <a:r>
-              <a:rPr lang="en-US" dirty="0" err="1"/>
-              <a:t>statment</a:t>
-            </a:r>
-            <a:endParaRPr lang="en-US" dirty="0"/>
+              <a:t>Queries, PL/SQL and view</a:t>
+            </a:r>
           </a:p>
         </p:txBody>
       </p:sp>
@@ -5066,7 +5333,7 @@
           <p:cNvPr id="3" name="Content Placeholder 2">
             <a:extLst>
               <a:ext uri="{FF2B5EF4-FFF2-40B4-BE49-F238E27FC236}">
-                <a16:creationId xmlns:a16="http://schemas.microsoft.com/office/drawing/2014/main" id="{D37B43B4-E0AE-40FC-AF4E-56F8B7F7F1C8}"/>
+                <a16:creationId xmlns:a16="http://schemas.microsoft.com/office/drawing/2014/main" id="{E622B1AB-DE1B-4B34-97CA-9C7276FD923B}"/>
               </a:ext>
             </a:extLst>
           </p:cNvPr>
@@ -5082,20 +5349,53 @@
           <a:bodyPr/>
           <a:lstStyle/>
           <a:p>
-            <a:endParaRPr lang="en-US"/>
+            <a:r>
+              <a:rPr lang="en-US" dirty="0"/>
+              <a:t>Simple code to join 3 tables with the same variable</a:t>
+            </a:r>
+          </a:p>
+          <a:p>
+            <a:r>
+              <a:rPr lang="en-US" dirty="0"/>
+              <a:t>The DML mentioned above</a:t>
+            </a:r>
+          </a:p>
+          <a:p>
+            <a:r>
+              <a:rPr lang="en-US" dirty="0"/>
+              <a:t>Code to add the total value of the items in the museum</a:t>
+            </a:r>
+          </a:p>
+          <a:p>
+            <a:r>
+              <a:rPr lang="en-US" dirty="0"/>
+              <a:t>Code to find the most expensive item in the museum</a:t>
+            </a:r>
           </a:p>
         </p:txBody>
       </p:sp>
     </p:spTree>
     <p:extLst>
       <p:ext uri="{BB962C8B-B14F-4D97-AF65-F5344CB8AC3E}">
-        <p14:creationId xmlns:p14="http://schemas.microsoft.com/office/powerpoint/2010/main" val="2246403309"/>
+        <p14:creationId xmlns:p14="http://schemas.microsoft.com/office/powerpoint/2010/main" val="41802767"/>
       </p:ext>
     </p:extLst>
   </p:cSld>
   <p:clrMapOvr>
     <a:masterClrMapping/>
   </p:clrMapOvr>
+  <mc:AlternateContent xmlns:mc="http://schemas.openxmlformats.org/markup-compatibility/2006" xmlns:p14="http://schemas.microsoft.com/office/powerpoint/2010/main">
+    <mc:Choice Requires="p14">
+      <p:transition spd="slow" p14:dur="1400">
+        <p14:doors dir="vert"/>
+      </p:transition>
+    </mc:Choice>
+    <mc:Fallback xmlns="">
+      <p:transition spd="slow">
+        <p:fade/>
+      </p:transition>
+    </mc:Fallback>
+  </mc:AlternateContent>
 </p:sld>
 </file>
 
@@ -5121,7 +5421,7 @@
           <p:cNvPr id="2" name="Title 1">
             <a:extLst>
               <a:ext uri="{FF2B5EF4-FFF2-40B4-BE49-F238E27FC236}">
-                <a16:creationId xmlns:a16="http://schemas.microsoft.com/office/drawing/2014/main" id="{73CF80E1-ADF5-45F3-886C-E961B7102BB6}"/>
+                <a16:creationId xmlns:a16="http://schemas.microsoft.com/office/drawing/2014/main" id="{9FAA542D-22A2-4DD9-89E3-6334243EB251}"/>
               </a:ext>
             </a:extLst>
           </p:cNvPr>
@@ -5139,7 +5439,7 @@
           <a:p>
             <a:r>
               <a:rPr lang="en-US" dirty="0"/>
-              <a:t>Lesson learned</a:t>
+              <a:t>Best statement</a:t>
             </a:r>
           </a:p>
         </p:txBody>
@@ -5149,7 +5449,7 @@
           <p:cNvPr id="3" name="Content Placeholder 2">
             <a:extLst>
               <a:ext uri="{FF2B5EF4-FFF2-40B4-BE49-F238E27FC236}">
-                <a16:creationId xmlns:a16="http://schemas.microsoft.com/office/drawing/2014/main" id="{B7D772FA-34A3-473F-87CF-BBE0D1494540}"/>
+                <a16:creationId xmlns:a16="http://schemas.microsoft.com/office/drawing/2014/main" id="{D37B43B4-E0AE-40FC-AF4E-56F8B7F7F1C8}"/>
               </a:ext>
             </a:extLst>
           </p:cNvPr>
@@ -5172,7 +5472,7 @@
     </p:spTree>
     <p:extLst>
       <p:ext uri="{BB962C8B-B14F-4D97-AF65-F5344CB8AC3E}">
-        <p14:creationId xmlns:p14="http://schemas.microsoft.com/office/powerpoint/2010/main" val="1199966487"/>
+        <p14:creationId xmlns:p14="http://schemas.microsoft.com/office/powerpoint/2010/main" val="2246403309"/>
       </p:ext>
     </p:extLst>
   </p:cSld>

--- a/CS 3700 PP.pptx
+++ b/CS 3700 PP.pptx
@@ -272,7 +272,7 @@
           <a:p>
             <a:fld id="{FD2766A6-3C10-4AB8-86A1-BB1F0CDA7EFE}" type="datetimeFigureOut">
               <a:rPr lang="en-US" smtClean="0"/>
-              <a:t>11/26/2021</a:t>
+              <a:t>11/30/2021</a:t>
             </a:fld>
             <a:endParaRPr lang="en-US"/>
           </a:p>
@@ -470,7 +470,7 @@
           <a:p>
             <a:fld id="{FD2766A6-3C10-4AB8-86A1-BB1F0CDA7EFE}" type="datetimeFigureOut">
               <a:rPr lang="en-US" smtClean="0"/>
-              <a:t>11/26/2021</a:t>
+              <a:t>11/30/2021</a:t>
             </a:fld>
             <a:endParaRPr lang="en-US"/>
           </a:p>
@@ -678,7 +678,7 @@
           <a:p>
             <a:fld id="{FD2766A6-3C10-4AB8-86A1-BB1F0CDA7EFE}" type="datetimeFigureOut">
               <a:rPr lang="en-US" smtClean="0"/>
-              <a:t>11/26/2021</a:t>
+              <a:t>11/30/2021</a:t>
             </a:fld>
             <a:endParaRPr lang="en-US"/>
           </a:p>
@@ -876,7 +876,7 @@
           <a:p>
             <a:fld id="{FD2766A6-3C10-4AB8-86A1-BB1F0CDA7EFE}" type="datetimeFigureOut">
               <a:rPr lang="en-US" smtClean="0"/>
-              <a:t>11/26/2021</a:t>
+              <a:t>11/30/2021</a:t>
             </a:fld>
             <a:endParaRPr lang="en-US"/>
           </a:p>
@@ -1149,7 +1149,7 @@
           <a:p>
             <a:fld id="{FD2766A6-3C10-4AB8-86A1-BB1F0CDA7EFE}" type="datetimeFigureOut">
               <a:rPr lang="en-US" smtClean="0"/>
-              <a:t>11/26/2021</a:t>
+              <a:t>11/30/2021</a:t>
             </a:fld>
             <a:endParaRPr lang="en-US"/>
           </a:p>
@@ -1414,7 +1414,7 @@
           <a:p>
             <a:fld id="{FD2766A6-3C10-4AB8-86A1-BB1F0CDA7EFE}" type="datetimeFigureOut">
               <a:rPr lang="en-US" smtClean="0"/>
-              <a:t>11/26/2021</a:t>
+              <a:t>11/30/2021</a:t>
             </a:fld>
             <a:endParaRPr lang="en-US"/>
           </a:p>
@@ -1840,7 +1840,7 @@
           <a:p>
             <a:fld id="{FD2766A6-3C10-4AB8-86A1-BB1F0CDA7EFE}" type="datetimeFigureOut">
               <a:rPr lang="en-US" smtClean="0"/>
-              <a:t>11/26/2021</a:t>
+              <a:t>11/30/2021</a:t>
             </a:fld>
             <a:endParaRPr lang="en-US"/>
           </a:p>
@@ -1981,7 +1981,7 @@
           <a:p>
             <a:fld id="{FD2766A6-3C10-4AB8-86A1-BB1F0CDA7EFE}" type="datetimeFigureOut">
               <a:rPr lang="en-US" smtClean="0"/>
-              <a:t>11/26/2021</a:t>
+              <a:t>11/30/2021</a:t>
             </a:fld>
             <a:endParaRPr lang="en-US"/>
           </a:p>
@@ -2094,7 +2094,7 @@
           <a:p>
             <a:fld id="{FD2766A6-3C10-4AB8-86A1-BB1F0CDA7EFE}" type="datetimeFigureOut">
               <a:rPr lang="en-US" smtClean="0"/>
-              <a:t>11/26/2021</a:t>
+              <a:t>11/30/2021</a:t>
             </a:fld>
             <a:endParaRPr lang="en-US"/>
           </a:p>
@@ -2449,7 +2449,7 @@
           <a:p>
             <a:fld id="{FD2766A6-3C10-4AB8-86A1-BB1F0CDA7EFE}" type="datetimeFigureOut">
               <a:rPr lang="en-US" smtClean="0"/>
-              <a:t>11/26/2021</a:t>
+              <a:t>11/30/2021</a:t>
             </a:fld>
             <a:endParaRPr lang="en-US"/>
           </a:p>
@@ -2779,7 +2779,7 @@
           <a:p>
             <a:fld id="{FD2766A6-3C10-4AB8-86A1-BB1F0CDA7EFE}" type="datetimeFigureOut">
               <a:rPr lang="en-US" smtClean="0"/>
-              <a:t>11/26/2021</a:t>
+              <a:t>11/30/2021</a:t>
             </a:fld>
             <a:endParaRPr lang="en-US"/>
           </a:p>
@@ -3021,7 +3021,7 @@
             <a:fld id="{FD2766A6-3C10-4AB8-86A1-BB1F0CDA7EFE}" type="datetimeFigureOut">
               <a:rPr lang="en-US" smtClean="0"/>
               <a:pPr/>
-              <a:t>11/26/2021</a:t>
+              <a:t>11/30/2021</a:t>
             </a:fld>
             <a:endParaRPr lang="en-US" dirty="0"/>
           </a:p>
@@ -3739,6 +3739,26 @@
               <a:t>Always have back up plan</a:t>
             </a:r>
           </a:p>
+          <a:p>
+            <a:r>
+              <a:rPr lang="en-US" dirty="0"/>
+              <a:t>Always write down passwords somewhere</a:t>
+            </a:r>
+          </a:p>
+          <a:p>
+            <a:r>
+              <a:rPr lang="en-US" dirty="0"/>
+              <a:t>A good </a:t>
+            </a:r>
+            <a:r>
+              <a:rPr lang="en-US" dirty="0" err="1"/>
+              <a:t>Github</a:t>
+            </a:r>
+            <a:r>
+              <a:rPr lang="en-US" dirty="0"/>
+              <a:t> repo helps everyone stay organized</a:t>
+            </a:r>
+          </a:p>
         </p:txBody>
       </p:sp>
     </p:spTree>
@@ -3751,13 +3771,13 @@
   <p:clrMapOvr>
     <a:masterClrMapping/>
   </p:clrMapOvr>
-  <mc:AlternateContent xmlns:mc="http://schemas.openxmlformats.org/markup-compatibility/2006">
-    <mc:Choice xmlns:p14="http://schemas.microsoft.com/office/powerpoint/2010/main" Requires="p14">
+  <mc:AlternateContent xmlns:mc="http://schemas.openxmlformats.org/markup-compatibility/2006" xmlns:p14="http://schemas.microsoft.com/office/powerpoint/2010/main">
+    <mc:Choice Requires="p14">
       <p:transition spd="slow" p14:dur="1250">
         <p14:switch dir="r"/>
       </p:transition>
     </mc:Choice>
-    <mc:Fallback>
+    <mc:Fallback xmlns="">
       <p:transition spd="slow">
         <p:fade/>
       </p:transition>
@@ -4245,13 +4265,13 @@
   <p:clrMapOvr>
     <a:masterClrMapping/>
   </p:clrMapOvr>
-  <mc:AlternateContent xmlns:mc="http://schemas.openxmlformats.org/markup-compatibility/2006">
-    <mc:Choice xmlns:p15="http://schemas.microsoft.com/office/powerpoint/2012/main" Requires="p15">
+  <mc:AlternateContent xmlns:mc="http://schemas.openxmlformats.org/markup-compatibility/2006" xmlns:p15="http://schemas.microsoft.com/office/powerpoint/2012/main">
+    <mc:Choice Requires="p15">
       <p:transition xmlns:p14="http://schemas.microsoft.com/office/powerpoint/2010/main" spd="slow" p14:dur="3250">
         <p15:prstTrans prst="origami"/>
       </p:transition>
     </mc:Choice>
-    <mc:Fallback>
+    <mc:Fallback xmlns="">
       <p:transition spd="slow">
         <p:fade/>
       </p:transition>
@@ -4403,7 +4423,7 @@
                 <a:ea typeface="Calibri" panose="020F0502020204030204" pitchFamily="34" charset="0"/>
                 <a:cs typeface="Times New Roman" panose="02020603050405020304" pitchFamily="18" charset="0"/>
               </a:rPr>
-              <a:t>)</a:t>
+              <a:t>,)</a:t>
             </a:r>
           </a:p>
           <a:p>
@@ -5149,7 +5169,7 @@
           <a:p>
             <a:r>
               <a:rPr lang="en-US" dirty="0"/>
-              <a:t>Made the tables via SQL a data upload mentioned in a latter slide</a:t>
+              <a:t>Made DDL using generated script from ERD and then made changes to var names / other minor tweaks</a:t>
             </a:r>
           </a:p>
         </p:txBody>
@@ -5247,13 +5267,13 @@
           <a:p>
             <a:r>
               <a:rPr lang="en-US" dirty="0"/>
-              <a:t>Wrote a code to transfer the information in to the SQL program.</a:t>
-            </a:r>
-          </a:p>
-          <a:p>
-            <a:r>
-              <a:rPr lang="en-US" dirty="0"/>
-              <a:t>About 2000 entry's </a:t>
+              <a:t>Wrote code to add a few entries from a Preexisting excel inventory sheet of a museum.</a:t>
+            </a:r>
+          </a:p>
+          <a:p>
+            <a:r>
+              <a:rPr lang="en-US" dirty="0"/>
+              <a:t>About 2000 entry’s in total in the file, so we only added 5 entries instead</a:t>
             </a:r>
           </a:p>
         </p:txBody>
